--- a/slides/barista-checkoff-demo.pptx
+++ b/slides/barista-checkoff-demo.pptx
@@ -4,10 +4,13 @@
   <p:sldMasterIdLst>
     <p:sldMasterId id="2147483648" r:id="rId1"/>
   </p:sldMasterIdLst>
+  <p:notesMasterIdLst>
+    <p:notesMasterId r:id="rId19"/>
+  </p:notesMasterIdLst>
   <p:sldIdLst>
     <p:sldId id="256" r:id="rId2"/>
     <p:sldId id="257" r:id="rId3"/>
-    <p:sldId id="258" r:id="rId4"/>
+    <p:sldId id="278" r:id="rId4"/>
     <p:sldId id="265" r:id="rId5"/>
     <p:sldId id="277" r:id="rId6"/>
     <p:sldId id="266" r:id="rId7"/>
@@ -121,6 +124,601 @@
     </a:lvl9pPr>
   </p:defaultTextStyle>
 </p:presentation>
+</file>
+
+<file path=ppt/notesMasters/notesMaster1.xml><?xml version="1.0" encoding="utf-8"?>
+<p:notesMaster xmlns:a="http://schemas.openxmlformats.org/drawingml/2006/main" xmlns:r="http://schemas.openxmlformats.org/officeDocument/2006/relationships" xmlns:p="http://schemas.openxmlformats.org/presentationml/2006/main">
+  <p:cSld>
+    <p:bg>
+      <p:bgRef idx="1001">
+        <a:schemeClr val="bg1"/>
+      </p:bgRef>
+    </p:bg>
+    <p:spTree>
+      <p:nvGrpSpPr>
+        <p:cNvPr id="1" name=""/>
+        <p:cNvGrpSpPr/>
+        <p:nvPr/>
+      </p:nvGrpSpPr>
+      <p:grpSpPr>
+        <a:xfrm>
+          <a:off x="0" y="0"/>
+          <a:ext cx="0" cy="0"/>
+          <a:chOff x="0" y="0"/>
+          <a:chExt cx="0" cy="0"/>
+        </a:xfrm>
+      </p:grpSpPr>
+      <p:sp>
+        <p:nvSpPr>
+          <p:cNvPr id="2" name="Header Placeholder 1"/>
+          <p:cNvSpPr>
+            <a:spLocks noGrp="1"/>
+          </p:cNvSpPr>
+          <p:nvPr>
+            <p:ph type="hdr" sz="quarter"/>
+          </p:nvPr>
+        </p:nvSpPr>
+        <p:spPr>
+          <a:xfrm>
+            <a:off x="0" y="0"/>
+            <a:ext cx="2971800" cy="457200"/>
+          </a:xfrm>
+          <a:prstGeom prst="rect">
+            <a:avLst/>
+          </a:prstGeom>
+        </p:spPr>
+        <p:txBody>
+          <a:bodyPr vert="horz" lIns="91440" tIns="45720" rIns="91440" bIns="45720" rtlCol="0"/>
+          <a:lstStyle>
+            <a:lvl1pPr algn="l">
+              <a:defRPr sz="1200"/>
+            </a:lvl1pPr>
+          </a:lstStyle>
+          <a:p>
+            <a:endParaRPr lang="en-US"/>
+          </a:p>
+        </p:txBody>
+      </p:sp>
+      <p:sp>
+        <p:nvSpPr>
+          <p:cNvPr id="3" name="Date Placeholder 2"/>
+          <p:cNvSpPr>
+            <a:spLocks noGrp="1"/>
+          </p:cNvSpPr>
+          <p:nvPr>
+            <p:ph type="dt" idx="1"/>
+          </p:nvPr>
+        </p:nvSpPr>
+        <p:spPr>
+          <a:xfrm>
+            <a:off x="3884613" y="0"/>
+            <a:ext cx="2971800" cy="457200"/>
+          </a:xfrm>
+          <a:prstGeom prst="rect">
+            <a:avLst/>
+          </a:prstGeom>
+        </p:spPr>
+        <p:txBody>
+          <a:bodyPr vert="horz" lIns="91440" tIns="45720" rIns="91440" bIns="45720" rtlCol="0"/>
+          <a:lstStyle>
+            <a:lvl1pPr algn="r">
+              <a:defRPr sz="1200"/>
+            </a:lvl1pPr>
+          </a:lstStyle>
+          <a:p>
+            <a:fld id="{A46970E7-AEE0-8649-87D9-1055AE0D42F4}" type="datetimeFigureOut">
+              <a:rPr lang="en-US" smtClean="0"/>
+              <a:t>5/13/14</a:t>
+            </a:fld>
+            <a:endParaRPr lang="en-US"/>
+          </a:p>
+        </p:txBody>
+      </p:sp>
+      <p:sp>
+        <p:nvSpPr>
+          <p:cNvPr id="4" name="Slide Image Placeholder 3"/>
+          <p:cNvSpPr>
+            <a:spLocks noGrp="1" noRot="1" noChangeAspect="1"/>
+          </p:cNvSpPr>
+          <p:nvPr>
+            <p:ph type="sldImg" idx="2"/>
+          </p:nvPr>
+        </p:nvSpPr>
+        <p:spPr>
+          <a:xfrm>
+            <a:off x="1143000" y="685800"/>
+            <a:ext cx="4572000" cy="3429000"/>
+          </a:xfrm>
+          <a:prstGeom prst="rect">
+            <a:avLst/>
+          </a:prstGeom>
+          <a:noFill/>
+          <a:ln w="12700">
+            <a:solidFill>
+              <a:prstClr val="black"/>
+            </a:solidFill>
+          </a:ln>
+        </p:spPr>
+        <p:txBody>
+          <a:bodyPr vert="horz" lIns="91440" tIns="45720" rIns="91440" bIns="45720" rtlCol="0" anchor="ctr"/>
+          <a:lstStyle/>
+          <a:p>
+            <a:endParaRPr lang="en-US"/>
+          </a:p>
+        </p:txBody>
+      </p:sp>
+      <p:sp>
+        <p:nvSpPr>
+          <p:cNvPr id="5" name="Notes Placeholder 4"/>
+          <p:cNvSpPr>
+            <a:spLocks noGrp="1"/>
+          </p:cNvSpPr>
+          <p:nvPr>
+            <p:ph type="body" sz="quarter" idx="3"/>
+          </p:nvPr>
+        </p:nvSpPr>
+        <p:spPr>
+          <a:xfrm>
+            <a:off x="685800" y="4343400"/>
+            <a:ext cx="5486400" cy="4114800"/>
+          </a:xfrm>
+          <a:prstGeom prst="rect">
+            <a:avLst/>
+          </a:prstGeom>
+        </p:spPr>
+        <p:txBody>
+          <a:bodyPr vert="horz" lIns="91440" tIns="45720" rIns="91440" bIns="45720" rtlCol="0"/>
+          <a:lstStyle/>
+          <a:p>
+            <a:pPr lvl="0"/>
+            <a:r>
+              <a:rPr lang="en-US" smtClean="0"/>
+              <a:t>Click to edit Master text styles</a:t>
+            </a:r>
+          </a:p>
+          <a:p>
+            <a:pPr lvl="1"/>
+            <a:r>
+              <a:rPr lang="en-US" smtClean="0"/>
+              <a:t>Second level</a:t>
+            </a:r>
+          </a:p>
+          <a:p>
+            <a:pPr lvl="2"/>
+            <a:r>
+              <a:rPr lang="en-US" smtClean="0"/>
+              <a:t>Third level</a:t>
+            </a:r>
+          </a:p>
+          <a:p>
+            <a:pPr lvl="3"/>
+            <a:r>
+              <a:rPr lang="en-US" smtClean="0"/>
+              <a:t>Fourth level</a:t>
+            </a:r>
+          </a:p>
+          <a:p>
+            <a:pPr lvl="4"/>
+            <a:r>
+              <a:rPr lang="en-US" smtClean="0"/>
+              <a:t>Fifth level</a:t>
+            </a:r>
+            <a:endParaRPr lang="en-US"/>
+          </a:p>
+        </p:txBody>
+      </p:sp>
+      <p:sp>
+        <p:nvSpPr>
+          <p:cNvPr id="6" name="Footer Placeholder 5"/>
+          <p:cNvSpPr>
+            <a:spLocks noGrp="1"/>
+          </p:cNvSpPr>
+          <p:nvPr>
+            <p:ph type="ftr" sz="quarter" idx="4"/>
+          </p:nvPr>
+        </p:nvSpPr>
+        <p:spPr>
+          <a:xfrm>
+            <a:off x="0" y="8685213"/>
+            <a:ext cx="2971800" cy="457200"/>
+          </a:xfrm>
+          <a:prstGeom prst="rect">
+            <a:avLst/>
+          </a:prstGeom>
+        </p:spPr>
+        <p:txBody>
+          <a:bodyPr vert="horz" lIns="91440" tIns="45720" rIns="91440" bIns="45720" rtlCol="0" anchor="b"/>
+          <a:lstStyle>
+            <a:lvl1pPr algn="l">
+              <a:defRPr sz="1200"/>
+            </a:lvl1pPr>
+          </a:lstStyle>
+          <a:p>
+            <a:endParaRPr lang="en-US"/>
+          </a:p>
+        </p:txBody>
+      </p:sp>
+      <p:sp>
+        <p:nvSpPr>
+          <p:cNvPr id="7" name="Slide Number Placeholder 6"/>
+          <p:cNvSpPr>
+            <a:spLocks noGrp="1"/>
+          </p:cNvSpPr>
+          <p:nvPr>
+            <p:ph type="sldNum" sz="quarter" idx="5"/>
+          </p:nvPr>
+        </p:nvSpPr>
+        <p:spPr>
+          <a:xfrm>
+            <a:off x="3884613" y="8685213"/>
+            <a:ext cx="2971800" cy="457200"/>
+          </a:xfrm>
+          <a:prstGeom prst="rect">
+            <a:avLst/>
+          </a:prstGeom>
+        </p:spPr>
+        <p:txBody>
+          <a:bodyPr vert="horz" lIns="91440" tIns="45720" rIns="91440" bIns="45720" rtlCol="0" anchor="b"/>
+          <a:lstStyle>
+            <a:lvl1pPr algn="r">
+              <a:defRPr sz="1200"/>
+            </a:lvl1pPr>
+          </a:lstStyle>
+          <a:p>
+            <a:fld id="{37DC9EBD-6CBD-B142-8007-4EE8A4A43120}" type="slidenum">
+              <a:rPr lang="en-US" smtClean="0"/>
+              <a:t>‹#›</a:t>
+            </a:fld>
+            <a:endParaRPr lang="en-US"/>
+          </a:p>
+        </p:txBody>
+      </p:sp>
+    </p:spTree>
+    <p:extLst>
+      <p:ext uri="{BB962C8B-B14F-4D97-AF65-F5344CB8AC3E}">
+        <p14:creationId xmlns:p14="http://schemas.microsoft.com/office/powerpoint/2010/main" val="3021272578"/>
+      </p:ext>
+    </p:extLst>
+  </p:cSld>
+  <p:clrMap bg1="lt1" tx1="dk1" bg2="lt2" tx2="dk2" accent1="accent1" accent2="accent2" accent3="accent3" accent4="accent4" accent5="accent5" accent6="accent6" hlink="hlink" folHlink="folHlink"/>
+  <p:notesStyle>
+    <a:lvl1pPr marL="0" algn="l" defTabSz="457200" rtl="0" eaLnBrk="1" latinLnBrk="0" hangingPunct="1">
+      <a:defRPr sz="1200" kern="1200">
+        <a:solidFill>
+          <a:schemeClr val="tx1"/>
+        </a:solidFill>
+        <a:latin typeface="+mn-lt"/>
+        <a:ea typeface="+mn-ea"/>
+        <a:cs typeface="+mn-cs"/>
+      </a:defRPr>
+    </a:lvl1pPr>
+    <a:lvl2pPr marL="457200" algn="l" defTabSz="457200" rtl="0" eaLnBrk="1" latinLnBrk="0" hangingPunct="1">
+      <a:defRPr sz="1200" kern="1200">
+        <a:solidFill>
+          <a:schemeClr val="tx1"/>
+        </a:solidFill>
+        <a:latin typeface="+mn-lt"/>
+        <a:ea typeface="+mn-ea"/>
+        <a:cs typeface="+mn-cs"/>
+      </a:defRPr>
+    </a:lvl2pPr>
+    <a:lvl3pPr marL="914400" algn="l" defTabSz="457200" rtl="0" eaLnBrk="1" latinLnBrk="0" hangingPunct="1">
+      <a:defRPr sz="1200" kern="1200">
+        <a:solidFill>
+          <a:schemeClr val="tx1"/>
+        </a:solidFill>
+        <a:latin typeface="+mn-lt"/>
+        <a:ea typeface="+mn-ea"/>
+        <a:cs typeface="+mn-cs"/>
+      </a:defRPr>
+    </a:lvl3pPr>
+    <a:lvl4pPr marL="1371600" algn="l" defTabSz="457200" rtl="0" eaLnBrk="1" latinLnBrk="0" hangingPunct="1">
+      <a:defRPr sz="1200" kern="1200">
+        <a:solidFill>
+          <a:schemeClr val="tx1"/>
+        </a:solidFill>
+        <a:latin typeface="+mn-lt"/>
+        <a:ea typeface="+mn-ea"/>
+        <a:cs typeface="+mn-cs"/>
+      </a:defRPr>
+    </a:lvl4pPr>
+    <a:lvl5pPr marL="1828800" algn="l" defTabSz="457200" rtl="0" eaLnBrk="1" latinLnBrk="0" hangingPunct="1">
+      <a:defRPr sz="1200" kern="1200">
+        <a:solidFill>
+          <a:schemeClr val="tx1"/>
+        </a:solidFill>
+        <a:latin typeface="+mn-lt"/>
+        <a:ea typeface="+mn-ea"/>
+        <a:cs typeface="+mn-cs"/>
+      </a:defRPr>
+    </a:lvl5pPr>
+    <a:lvl6pPr marL="2286000" algn="l" defTabSz="457200" rtl="0" eaLnBrk="1" latinLnBrk="0" hangingPunct="1">
+      <a:defRPr sz="1200" kern="1200">
+        <a:solidFill>
+          <a:schemeClr val="tx1"/>
+        </a:solidFill>
+        <a:latin typeface="+mn-lt"/>
+        <a:ea typeface="+mn-ea"/>
+        <a:cs typeface="+mn-cs"/>
+      </a:defRPr>
+    </a:lvl6pPr>
+    <a:lvl7pPr marL="2743200" algn="l" defTabSz="457200" rtl="0" eaLnBrk="1" latinLnBrk="0" hangingPunct="1">
+      <a:defRPr sz="1200" kern="1200">
+        <a:solidFill>
+          <a:schemeClr val="tx1"/>
+        </a:solidFill>
+        <a:latin typeface="+mn-lt"/>
+        <a:ea typeface="+mn-ea"/>
+        <a:cs typeface="+mn-cs"/>
+      </a:defRPr>
+    </a:lvl7pPr>
+    <a:lvl8pPr marL="3200400" algn="l" defTabSz="457200" rtl="0" eaLnBrk="1" latinLnBrk="0" hangingPunct="1">
+      <a:defRPr sz="1200" kern="1200">
+        <a:solidFill>
+          <a:schemeClr val="tx1"/>
+        </a:solidFill>
+        <a:latin typeface="+mn-lt"/>
+        <a:ea typeface="+mn-ea"/>
+        <a:cs typeface="+mn-cs"/>
+      </a:defRPr>
+    </a:lvl8pPr>
+    <a:lvl9pPr marL="3657600" algn="l" defTabSz="457200" rtl="0" eaLnBrk="1" latinLnBrk="0" hangingPunct="1">
+      <a:defRPr sz="1200" kern="1200">
+        <a:solidFill>
+          <a:schemeClr val="tx1"/>
+        </a:solidFill>
+        <a:latin typeface="+mn-lt"/>
+        <a:ea typeface="+mn-ea"/>
+        <a:cs typeface="+mn-cs"/>
+      </a:defRPr>
+    </a:lvl9pPr>
+  </p:notesStyle>
+</p:notesMaster>
+</file>
+
+<file path=ppt/notesSlides/notesSlide1.xml><?xml version="1.0" encoding="utf-8"?>
+<p:notes xmlns:a="http://schemas.openxmlformats.org/drawingml/2006/main" xmlns:r="http://schemas.openxmlformats.org/officeDocument/2006/relationships" xmlns:p="http://schemas.openxmlformats.org/presentationml/2006/main">
+  <p:cSld>
+    <p:spTree>
+      <p:nvGrpSpPr>
+        <p:cNvPr id="1" name=""/>
+        <p:cNvGrpSpPr/>
+        <p:nvPr/>
+      </p:nvGrpSpPr>
+      <p:grpSpPr>
+        <a:xfrm>
+          <a:off x="0" y="0"/>
+          <a:ext cx="0" cy="0"/>
+          <a:chOff x="0" y="0"/>
+          <a:chExt cx="0" cy="0"/>
+        </a:xfrm>
+      </p:grpSpPr>
+      <p:sp>
+        <p:nvSpPr>
+          <p:cNvPr id="2" name="Slide Image Placeholder 1"/>
+          <p:cNvSpPr>
+            <a:spLocks noGrp="1" noRot="1" noChangeAspect="1"/>
+          </p:cNvSpPr>
+          <p:nvPr>
+            <p:ph type="sldImg"/>
+          </p:nvPr>
+        </p:nvSpPr>
+        <p:spPr/>
+      </p:sp>
+      <p:sp>
+        <p:nvSpPr>
+          <p:cNvPr id="3" name="Notes Placeholder 2"/>
+          <p:cNvSpPr>
+            <a:spLocks noGrp="1"/>
+          </p:cNvSpPr>
+          <p:nvPr>
+            <p:ph type="body" idx="1"/>
+          </p:nvPr>
+        </p:nvSpPr>
+        <p:spPr/>
+        <p:txBody>
+          <a:bodyPr/>
+          <a:lstStyle/>
+          <a:p>
+            <a:r>
+              <a:rPr lang="en-US" dirty="0" smtClean="0"/>
+              <a:t>Middleware layer on top of </a:t>
+            </a:r>
+            <a:r>
+              <a:rPr lang="en-US" dirty="0" err="1" smtClean="0"/>
+              <a:t>postgres</a:t>
+            </a:r>
+            <a:endParaRPr lang="en-US" dirty="0" smtClean="0"/>
+          </a:p>
+          <a:p>
+            <a:r>
+              <a:rPr lang="en-US" dirty="0" smtClean="0"/>
+              <a:t>Real-time replication via </a:t>
+            </a:r>
+            <a:r>
+              <a:rPr lang="en-US" dirty="0" err="1" smtClean="0"/>
+              <a:t>Paxos</a:t>
+            </a:r>
+            <a:endParaRPr lang="en-US" dirty="0" smtClean="0"/>
+          </a:p>
+          <a:p>
+            <a:r>
+              <a:rPr lang="en-US" dirty="0" smtClean="0"/>
+              <a:t>Safety – zookeeper</a:t>
+            </a:r>
+          </a:p>
+          <a:p>
+            <a:r>
+              <a:rPr lang="en-US" dirty="0" smtClean="0"/>
+              <a:t>Multi-</a:t>
+            </a:r>
+            <a:r>
+              <a:rPr lang="en-US" dirty="0" err="1" smtClean="0"/>
+              <a:t>paxos</a:t>
+            </a:r>
+            <a:endParaRPr lang="en-US" dirty="0" smtClean="0"/>
+          </a:p>
+          <a:p>
+            <a:r>
+              <a:rPr lang="en-US" dirty="0" smtClean="0"/>
+              <a:t>Test case </a:t>
+            </a:r>
+            <a:r>
+              <a:rPr lang="en-US" smtClean="0"/>
+              <a:t>+ benchmark</a:t>
+            </a:r>
+            <a:endParaRPr lang="en-US" dirty="0" smtClean="0"/>
+          </a:p>
+          <a:p>
+            <a:endParaRPr lang="en-US" dirty="0"/>
+          </a:p>
+        </p:txBody>
+      </p:sp>
+      <p:sp>
+        <p:nvSpPr>
+          <p:cNvPr id="4" name="Slide Number Placeholder 3"/>
+          <p:cNvSpPr>
+            <a:spLocks noGrp="1"/>
+          </p:cNvSpPr>
+          <p:nvPr>
+            <p:ph type="sldNum" sz="quarter" idx="10"/>
+          </p:nvPr>
+        </p:nvSpPr>
+        <p:spPr/>
+        <p:txBody>
+          <a:bodyPr/>
+          <a:lstStyle/>
+          <a:p>
+            <a:fld id="{37DC9EBD-6CBD-B142-8007-4EE8A4A43120}" type="slidenum">
+              <a:rPr lang="en-US" smtClean="0"/>
+              <a:t>3</a:t>
+            </a:fld>
+            <a:endParaRPr lang="en-US"/>
+          </a:p>
+        </p:txBody>
+      </p:sp>
+    </p:spTree>
+    <p:extLst>
+      <p:ext uri="{BB962C8B-B14F-4D97-AF65-F5344CB8AC3E}">
+        <p14:creationId xmlns:p14="http://schemas.microsoft.com/office/powerpoint/2010/main" val="3539004222"/>
+      </p:ext>
+    </p:extLst>
+  </p:cSld>
+  <p:clrMapOvr>
+    <a:masterClrMapping/>
+  </p:clrMapOvr>
+</p:notes>
+</file>
+
+<file path=ppt/notesSlides/notesSlide2.xml><?xml version="1.0" encoding="utf-8"?>
+<p:notes xmlns:a="http://schemas.openxmlformats.org/drawingml/2006/main" xmlns:r="http://schemas.openxmlformats.org/officeDocument/2006/relationships" xmlns:p="http://schemas.openxmlformats.org/presentationml/2006/main">
+  <p:cSld>
+    <p:spTree>
+      <p:nvGrpSpPr>
+        <p:cNvPr id="1" name=""/>
+        <p:cNvGrpSpPr/>
+        <p:nvPr/>
+      </p:nvGrpSpPr>
+      <p:grpSpPr>
+        <a:xfrm>
+          <a:off x="0" y="0"/>
+          <a:ext cx="0" cy="0"/>
+          <a:chOff x="0" y="0"/>
+          <a:chExt cx="0" cy="0"/>
+        </a:xfrm>
+      </p:grpSpPr>
+      <p:sp>
+        <p:nvSpPr>
+          <p:cNvPr id="2" name="Slide Image Placeholder 1"/>
+          <p:cNvSpPr>
+            <a:spLocks noGrp="1" noRot="1" noChangeAspect="1"/>
+          </p:cNvSpPr>
+          <p:nvPr>
+            <p:ph type="sldImg"/>
+          </p:nvPr>
+        </p:nvSpPr>
+        <p:spPr/>
+      </p:sp>
+      <p:sp>
+        <p:nvSpPr>
+          <p:cNvPr id="3" name="Notes Placeholder 2"/>
+          <p:cNvSpPr>
+            <a:spLocks noGrp="1"/>
+          </p:cNvSpPr>
+          <p:nvPr>
+            <p:ph type="body" idx="1"/>
+          </p:nvPr>
+        </p:nvSpPr>
+        <p:spPr/>
+        <p:txBody>
+          <a:bodyPr/>
+          <a:lstStyle/>
+          <a:p>
+            <a:r>
+              <a:rPr lang="en-US" dirty="0" smtClean="0"/>
+              <a:t>Future Work: </a:t>
+            </a:r>
+          </a:p>
+          <a:p>
+            <a:pPr lvl="1"/>
+            <a:r>
+              <a:rPr lang="en-US" dirty="0" smtClean="0"/>
+              <a:t>analyze queries waiting to get executed for conflict</a:t>
+            </a:r>
+          </a:p>
+          <a:p>
+            <a:pPr lvl="1"/>
+            <a:r>
+              <a:rPr lang="en-US" dirty="0" smtClean="0"/>
+              <a:t>order the conflicting ones </a:t>
+            </a:r>
+          </a:p>
+          <a:p>
+            <a:pPr lvl="1"/>
+            <a:r>
+              <a:rPr lang="en-US" dirty="0" smtClean="0"/>
+              <a:t>run the non-conflicting ones in parallel</a:t>
+            </a:r>
+          </a:p>
+          <a:p>
+            <a:endParaRPr lang="en-US" dirty="0"/>
+          </a:p>
+        </p:txBody>
+      </p:sp>
+      <p:sp>
+        <p:nvSpPr>
+          <p:cNvPr id="4" name="Slide Number Placeholder 3"/>
+          <p:cNvSpPr>
+            <a:spLocks noGrp="1"/>
+          </p:cNvSpPr>
+          <p:nvPr>
+            <p:ph type="sldNum" sz="quarter" idx="10"/>
+          </p:nvPr>
+        </p:nvSpPr>
+        <p:spPr/>
+        <p:txBody>
+          <a:bodyPr/>
+          <a:lstStyle/>
+          <a:p>
+            <a:fld id="{37DC9EBD-6CBD-B142-8007-4EE8A4A43120}" type="slidenum">
+              <a:rPr lang="en-US" smtClean="0"/>
+              <a:t>5</a:t>
+            </a:fld>
+            <a:endParaRPr lang="en-US"/>
+          </a:p>
+        </p:txBody>
+      </p:sp>
+    </p:spTree>
+    <p:extLst>
+      <p:ext uri="{BB962C8B-B14F-4D97-AF65-F5344CB8AC3E}">
+        <p14:creationId xmlns:p14="http://schemas.microsoft.com/office/powerpoint/2010/main" val="4007399948"/>
+      </p:ext>
+    </p:extLst>
+  </p:cSld>
+  <p:clrMapOvr>
+    <a:masterClrMapping/>
+  </p:clrMapOvr>
+</p:notes>
 </file>
 
 <file path=ppt/slideLayouts/slideLayout1.xml><?xml version="1.0" encoding="utf-8"?>
@@ -3429,7 +4027,6 @@
               <a:rPr lang="en-US" dirty="0" smtClean="0"/>
               <a:t> </a:t>
             </a:r>
-            <a:endParaRPr lang="en-US" dirty="0" smtClean="0"/>
           </a:p>
           <a:p>
             <a:pPr lvl="1"/>
@@ -4579,7 +5176,7 @@
           <a:p>
             <a:r>
               <a:rPr lang="en-US" dirty="0" smtClean="0"/>
-              <a:t>Barista</a:t>
+              <a:t>Why Barista?</a:t>
             </a:r>
             <a:endParaRPr lang="en-US" dirty="0"/>
           </a:p>
@@ -4603,58 +5200,95 @@
         </p:spPr>
         <p:txBody>
           <a:bodyPr>
-            <a:normAutofit fontScale="92500" lnSpcReduction="20000"/>
+            <a:normAutofit/>
           </a:bodyPr>
           <a:lstStyle/>
           <a:p>
             <a:r>
               <a:rPr lang="en-US" dirty="0" smtClean="0"/>
-              <a:t>What is Barista?</a:t>
-            </a:r>
+              <a:t>Lots of </a:t>
+            </a:r>
+            <a:r>
+              <a:rPr lang="en-US" dirty="0" smtClean="0"/>
+              <a:t>applications use DBMS backend</a:t>
+            </a:r>
+          </a:p>
+          <a:p>
+            <a:r>
+              <a:rPr lang="en-US" dirty="0" smtClean="0"/>
+              <a:t>Machine failure or network outages </a:t>
+            </a:r>
+            <a:r>
+              <a:rPr lang="en-US" dirty="0" smtClean="0"/>
+              <a:t>common</a:t>
+            </a:r>
+          </a:p>
+          <a:p>
+            <a:r>
+              <a:rPr lang="en-US" dirty="0" smtClean="0"/>
+              <a:t>Barista provides</a:t>
+            </a:r>
+            <a:endParaRPr lang="en-US" dirty="0" smtClean="0"/>
           </a:p>
           <a:p>
             <a:pPr lvl="1"/>
             <a:r>
-              <a:rPr lang="en-US" dirty="0" smtClean="0"/>
-              <a:t>a </a:t>
-            </a:r>
-            <a:r>
               <a:rPr lang="en-US" dirty="0"/>
-              <a:t>middleware layer written over </a:t>
-            </a:r>
-            <a:r>
-              <a:rPr lang="en-US" dirty="0" err="1"/>
-              <a:t>Postgres</a:t>
-            </a:r>
-            <a:endParaRPr lang="en-US" dirty="0"/>
+              <a:t>f</a:t>
+            </a:r>
+            <a:r>
+              <a:rPr lang="en-US" dirty="0" smtClean="0"/>
+              <a:t>ault</a:t>
+            </a:r>
+            <a:r>
+              <a:rPr lang="en-US" dirty="0"/>
+              <a:t>-tolerance </a:t>
+            </a:r>
+            <a:r>
+              <a:rPr lang="en-US" dirty="0" smtClean="0"/>
+              <a:t>through multiple DB replicas</a:t>
+            </a:r>
           </a:p>
           <a:p>
             <a:pPr lvl="1"/>
             <a:r>
+              <a:rPr lang="en-US" dirty="0" smtClean="0"/>
+              <a:t>s</a:t>
+            </a:r>
+            <a:r>
+              <a:rPr lang="en-US" dirty="0" smtClean="0"/>
+              <a:t>trong </a:t>
+            </a:r>
+            <a:r>
+              <a:rPr lang="en-US" dirty="0" smtClean="0"/>
+              <a:t>consistency</a:t>
+            </a:r>
+          </a:p>
+          <a:p>
+            <a:pPr lvl="1"/>
+            <a:r>
               <a:rPr lang="en-US" dirty="0"/>
-              <a:t>enables </a:t>
-            </a:r>
-            <a:r>
-              <a:rPr lang="en-US" dirty="0" smtClean="0"/>
-              <a:t>real-time </a:t>
-            </a:r>
+              <a:t>a</a:t>
+            </a:r>
+            <a:r>
+              <a:rPr lang="en-US" dirty="0" smtClean="0"/>
+              <a:t>utomatic </a:t>
+            </a:r>
+            <a:r>
+              <a:rPr lang="en-US" dirty="0" smtClean="0"/>
+              <a:t>failover</a:t>
+            </a:r>
+          </a:p>
+          <a:p>
+            <a:pPr lvl="1"/>
             <a:r>
               <a:rPr lang="en-US" dirty="0"/>
-              <a:t>replication of data among multiple </a:t>
-            </a:r>
-            <a:r>
-              <a:rPr lang="en-US" dirty="0" err="1"/>
-              <a:t>Postgres</a:t>
-            </a:r>
-            <a:r>
-              <a:rPr lang="en-US" dirty="0"/>
-              <a:t> instances in a distributed </a:t>
-            </a:r>
-            <a:r>
-              <a:rPr lang="en-US" dirty="0" smtClean="0"/>
-              <a:t>infrastructure</a:t>
-            </a:r>
-            <a:endParaRPr lang="en-US" dirty="0"/>
+              <a:t>a</a:t>
+            </a:r>
+            <a:r>
+              <a:rPr lang="en-US" dirty="0" smtClean="0"/>
+              <a:t>utomatic recovery</a:t>
+            </a:r>
           </a:p>
           <a:p>
             <a:pPr lvl="1"/>
@@ -4664,85 +5298,13 @@
             </a:r>
             <a:r>
               <a:rPr lang="en-US" dirty="0" smtClean="0"/>
-              <a:t>lient </a:t>
-            </a:r>
-            <a:r>
-              <a:rPr lang="en-US" dirty="0"/>
-              <a:t>applications can use </a:t>
-            </a:r>
-            <a:r>
-              <a:rPr lang="en-US" dirty="0" smtClean="0"/>
-              <a:t>Barista with </a:t>
-            </a:r>
-            <a:r>
-              <a:rPr lang="en-US" dirty="0"/>
-              <a:t>the same SQL code they used </a:t>
-            </a:r>
-            <a:r>
-              <a:rPr lang="en-US" dirty="0" smtClean="0"/>
-              <a:t>before</a:t>
-            </a:r>
-          </a:p>
-          <a:p>
-            <a:pPr marL="457200" lvl="1" indent="0">
-              <a:buNone/>
-            </a:pPr>
+              <a:t>lient use the same SQL they used before</a:t>
+            </a:r>
             <a:endParaRPr lang="en-US" dirty="0" smtClean="0"/>
           </a:p>
           <a:p>
-            <a:r>
-              <a:rPr lang="en-US" dirty="0" smtClean="0"/>
-              <a:t>Why one should care?</a:t>
-            </a:r>
-          </a:p>
-          <a:p>
-            <a:pPr lvl="1"/>
-            <a:r>
-              <a:rPr lang="en-US" dirty="0"/>
-              <a:t>a</a:t>
-            </a:r>
-            <a:r>
-              <a:rPr lang="en-US" dirty="0" smtClean="0"/>
-              <a:t>n application using database as the backend would like to have:</a:t>
-            </a:r>
-          </a:p>
-          <a:p>
             <a:pPr lvl="2"/>
-            <a:r>
-              <a:rPr lang="en-US" dirty="0"/>
-              <a:t>f</a:t>
-            </a:r>
-            <a:r>
-              <a:rPr lang="en-US" dirty="0" smtClean="0"/>
-              <a:t>ault</a:t>
-            </a:r>
-            <a:r>
-              <a:rPr lang="en-US" dirty="0"/>
-              <a:t>-tolerance </a:t>
-            </a:r>
-            <a:r>
-              <a:rPr lang="en-US" dirty="0" smtClean="0"/>
-              <a:t>(</a:t>
-            </a:r>
-            <a:r>
-              <a:rPr lang="en-US" dirty="0"/>
-              <a:t>automatic failover among replicas</a:t>
-            </a:r>
-            <a:r>
-              <a:rPr lang="en-US" dirty="0" smtClean="0"/>
-              <a:t>) with strong consistency</a:t>
-            </a:r>
-          </a:p>
-          <a:p>
-            <a:pPr lvl="2"/>
-            <a:r>
-              <a:rPr lang="en-US" dirty="0"/>
-              <a:t>a</a:t>
-            </a:r>
-            <a:r>
-              <a:rPr lang="en-US" dirty="0" smtClean="0"/>
-              <a:t>utomatic recovery</a:t>
-            </a:r>
+            <a:endParaRPr lang="en-US" dirty="0" smtClean="0"/>
           </a:p>
           <a:p>
             <a:pPr lvl="1"/>
@@ -4800,7 +5362,7 @@
           <a:p>
             <a:r>
               <a:rPr lang="en-US" dirty="0" smtClean="0"/>
-              <a:t>The Main Contributions</a:t>
+              <a:t>Architecture</a:t>
             </a:r>
             <a:endParaRPr lang="en-US" dirty="0"/>
           </a:p>
@@ -4808,166 +5370,1402 @@
       </p:sp>
       <p:sp>
         <p:nvSpPr>
-          <p:cNvPr id="3" name="Content Placeholder 2"/>
-          <p:cNvSpPr>
-            <a:spLocks noGrp="1"/>
-          </p:cNvSpPr>
-          <p:nvPr>
-            <p:ph idx="1"/>
-          </p:nvPr>
+          <p:cNvPr id="4" name="Can 3"/>
+          <p:cNvSpPr/>
+          <p:nvPr/>
         </p:nvSpPr>
         <p:spPr>
           <a:xfrm>
-            <a:off x="457200" y="1600200"/>
-            <a:ext cx="8229600" cy="5137278"/>
+            <a:off x="927100" y="4813300"/>
+            <a:ext cx="723900" cy="1054100"/>
           </a:xfrm>
+          <a:prstGeom prst="can">
+            <a:avLst/>
+          </a:prstGeom>
         </p:spPr>
-        <p:txBody>
-          <a:bodyPr>
-            <a:normAutofit fontScale="70000" lnSpcReduction="20000"/>
+        <p:style>
+          <a:lnRef idx="1">
+            <a:schemeClr val="accent1"/>
+          </a:lnRef>
+          <a:fillRef idx="3">
+            <a:schemeClr val="accent1"/>
+          </a:fillRef>
+          <a:effectRef idx="2">
+            <a:schemeClr val="accent1"/>
+          </a:effectRef>
+          <a:fontRef idx="minor">
+            <a:schemeClr val="lt1"/>
+          </a:fontRef>
+        </p:style>
+        <p:txBody>
+          <a:bodyPr rtlCol="0" anchor="ctr"/>
+          <a:lstStyle/>
+          <a:p>
+            <a:pPr algn="ctr"/>
+            <a:endParaRPr lang="en-US"/>
+          </a:p>
+        </p:txBody>
+      </p:sp>
+      <p:sp>
+        <p:nvSpPr>
+          <p:cNvPr id="5" name="Can 4"/>
+          <p:cNvSpPr/>
+          <p:nvPr/>
+        </p:nvSpPr>
+        <p:spPr>
+          <a:xfrm>
+            <a:off x="4152900" y="5276850"/>
+            <a:ext cx="723900" cy="1054100"/>
+          </a:xfrm>
+          <a:prstGeom prst="can">
+            <a:avLst/>
+          </a:prstGeom>
+        </p:spPr>
+        <p:style>
+          <a:lnRef idx="1">
+            <a:schemeClr val="accent1"/>
+          </a:lnRef>
+          <a:fillRef idx="3">
+            <a:schemeClr val="accent1"/>
+          </a:fillRef>
+          <a:effectRef idx="2">
+            <a:schemeClr val="accent1"/>
+          </a:effectRef>
+          <a:fontRef idx="minor">
+            <a:schemeClr val="lt1"/>
+          </a:fontRef>
+        </p:style>
+        <p:txBody>
+          <a:bodyPr rtlCol="0" anchor="ctr"/>
+          <a:lstStyle/>
+          <a:p>
+            <a:pPr algn="ctr"/>
+            <a:endParaRPr lang="en-US"/>
+          </a:p>
+        </p:txBody>
+      </p:sp>
+      <p:sp>
+        <p:nvSpPr>
+          <p:cNvPr id="6" name="Can 5"/>
+          <p:cNvSpPr/>
+          <p:nvPr/>
+        </p:nvSpPr>
+        <p:spPr>
+          <a:xfrm>
+            <a:off x="6604000" y="4800600"/>
+            <a:ext cx="723900" cy="1054100"/>
+          </a:xfrm>
+          <a:prstGeom prst="can">
+            <a:avLst/>
+          </a:prstGeom>
+        </p:spPr>
+        <p:style>
+          <a:lnRef idx="1">
+            <a:schemeClr val="accent1"/>
+          </a:lnRef>
+          <a:fillRef idx="3">
+            <a:schemeClr val="accent1"/>
+          </a:fillRef>
+          <a:effectRef idx="2">
+            <a:schemeClr val="accent1"/>
+          </a:effectRef>
+          <a:fontRef idx="minor">
+            <a:schemeClr val="lt1"/>
+          </a:fontRef>
+        </p:style>
+        <p:txBody>
+          <a:bodyPr rtlCol="0" anchor="ctr"/>
+          <a:lstStyle/>
+          <a:p>
+            <a:pPr algn="ctr"/>
+            <a:endParaRPr lang="en-US"/>
+          </a:p>
+        </p:txBody>
+      </p:sp>
+      <p:sp>
+        <p:nvSpPr>
+          <p:cNvPr id="7" name="TextBox 6"/>
+          <p:cNvSpPr txBox="1"/>
+          <p:nvPr/>
+        </p:nvSpPr>
+        <p:spPr>
+          <a:xfrm>
+            <a:off x="787400" y="5987534"/>
+            <a:ext cx="1028700" cy="369332"/>
+          </a:xfrm>
+          <a:prstGeom prst="rect">
+            <a:avLst/>
+          </a:prstGeom>
+          <a:noFill/>
+        </p:spPr>
+        <p:txBody>
+          <a:bodyPr wrap="square" rtlCol="0">
+            <a:spAutoFit/>
           </a:bodyPr>
           <a:lstStyle/>
           <a:p>
             <a:r>
-              <a:rPr lang="en-US" dirty="0"/>
-              <a:t>A </a:t>
-            </a:r>
-            <a:r>
-              <a:rPr lang="en-US" dirty="0" smtClean="0"/>
-              <a:t>distributed, synchronously replicated, </a:t>
-            </a:r>
-            <a:r>
-              <a:rPr lang="en-US" dirty="0"/>
-              <a:t>relational data </a:t>
-            </a:r>
-            <a:r>
-              <a:rPr lang="en-US" dirty="0" smtClean="0"/>
-              <a:t>store</a:t>
-            </a:r>
-          </a:p>
-          <a:p>
-            <a:pPr lvl="1"/>
-            <a:r>
-              <a:rPr lang="en-US" dirty="0"/>
-              <a:t>f</a:t>
-            </a:r>
-            <a:r>
-              <a:rPr lang="en-US" dirty="0" smtClean="0"/>
-              <a:t>ault-tolerance, automatic recovery, ACID, strong consistency, SQL</a:t>
-            </a:r>
-          </a:p>
-          <a:p>
-            <a:pPr lvl="1"/>
+              <a:rPr lang="en-US" dirty="0" err="1" smtClean="0"/>
+              <a:t>Postgres</a:t>
+            </a:r>
             <a:endParaRPr lang="en-US" dirty="0"/>
           </a:p>
-          <a:p>
-            <a:r>
-              <a:rPr lang="en-US" dirty="0"/>
-              <a:t>Cross-language support through Thrift</a:t>
-            </a:r>
-          </a:p>
-          <a:p>
-            <a:pPr lvl="1"/>
-            <a:r>
-              <a:rPr lang="en-US" dirty="0"/>
-              <a:t>sample client code in Go, C++, Java, Python, and </a:t>
-            </a:r>
-            <a:r>
-              <a:rPr lang="en-US" dirty="0" smtClean="0"/>
-              <a:t>JavaScript</a:t>
-            </a:r>
-          </a:p>
-          <a:p>
-            <a:pPr lvl="1"/>
+        </p:txBody>
+      </p:sp>
+      <p:sp>
+        <p:nvSpPr>
+          <p:cNvPr id="8" name="TextBox 7"/>
+          <p:cNvSpPr txBox="1"/>
+          <p:nvPr/>
+        </p:nvSpPr>
+        <p:spPr>
+          <a:xfrm>
+            <a:off x="6438900" y="5974834"/>
+            <a:ext cx="1028700" cy="369332"/>
+          </a:xfrm>
+          <a:prstGeom prst="rect">
+            <a:avLst/>
+          </a:prstGeom>
+          <a:noFill/>
+        </p:spPr>
+        <p:txBody>
+          <a:bodyPr wrap="square" rtlCol="0">
+            <a:spAutoFit/>
+          </a:bodyPr>
+          <a:lstStyle/>
+          <a:p>
+            <a:r>
+              <a:rPr lang="en-US" dirty="0" err="1" smtClean="0"/>
+              <a:t>Postgres</a:t>
+            </a:r>
             <a:endParaRPr lang="en-US" dirty="0"/>
           </a:p>
-          <a:p>
-            <a:r>
-              <a:rPr lang="en-US" dirty="0" smtClean="0"/>
-              <a:t>State Safety with </a:t>
-            </a:r>
-            <a:r>
-              <a:rPr lang="en-US" dirty="0" err="1"/>
-              <a:t>ZooKeeper</a:t>
+        </p:txBody>
+      </p:sp>
+      <p:sp>
+        <p:nvSpPr>
+          <p:cNvPr id="9" name="TextBox 8"/>
+          <p:cNvSpPr txBox="1"/>
+          <p:nvPr/>
+        </p:nvSpPr>
+        <p:spPr>
+          <a:xfrm>
+            <a:off x="4013200" y="6445766"/>
+            <a:ext cx="1028700" cy="369332"/>
+          </a:xfrm>
+          <a:prstGeom prst="rect">
+            <a:avLst/>
+          </a:prstGeom>
+          <a:noFill/>
+        </p:spPr>
+        <p:txBody>
+          <a:bodyPr wrap="square" rtlCol="0">
+            <a:spAutoFit/>
+          </a:bodyPr>
+          <a:lstStyle/>
+          <a:p>
+            <a:r>
+              <a:rPr lang="en-US" dirty="0" err="1" smtClean="0"/>
+              <a:t>Postgres</a:t>
             </a:r>
             <a:endParaRPr lang="en-US" dirty="0"/>
           </a:p>
-          <a:p>
-            <a:pPr lvl="1"/>
-            <a:r>
-              <a:rPr lang="en-US" dirty="0"/>
-              <a:t>e</a:t>
-            </a:r>
-            <a:r>
-              <a:rPr lang="en-US" dirty="0" smtClean="0"/>
-              <a:t>fficient purging and recovery</a:t>
-            </a:r>
-          </a:p>
-          <a:p>
-            <a:pPr marL="457200" lvl="1" indent="0">
-              <a:buNone/>
-            </a:pPr>
-            <a:endParaRPr lang="en-US" dirty="0" smtClean="0"/>
-          </a:p>
-          <a:p>
-            <a:r>
-              <a:rPr lang="en-US" dirty="0"/>
-              <a:t>Evaluation with the TPC-C Benchmark</a:t>
-            </a:r>
-          </a:p>
-          <a:p>
-            <a:pPr lvl="1"/>
-            <a:r>
-              <a:rPr lang="en-US" dirty="0"/>
-              <a:t>validation against the industry-standard </a:t>
-            </a:r>
-            <a:r>
-              <a:rPr lang="en-US" dirty="0" smtClean="0"/>
-              <a:t>database benchmark</a:t>
-            </a:r>
-          </a:p>
-          <a:p>
-            <a:pPr lvl="1"/>
+        </p:txBody>
+      </p:sp>
+      <p:sp>
+        <p:nvSpPr>
+          <p:cNvPr id="10" name="Rounded Rectangle 9"/>
+          <p:cNvSpPr/>
+          <p:nvPr/>
+        </p:nvSpPr>
+        <p:spPr>
+          <a:xfrm>
+            <a:off x="990600" y="1892300"/>
+            <a:ext cx="1320800" cy="406400"/>
+          </a:xfrm>
+          <a:prstGeom prst="roundRect">
+            <a:avLst/>
+          </a:prstGeom>
+        </p:spPr>
+        <p:style>
+          <a:lnRef idx="1">
+            <a:schemeClr val="accent5"/>
+          </a:lnRef>
+          <a:fillRef idx="3">
+            <a:schemeClr val="accent5"/>
+          </a:fillRef>
+          <a:effectRef idx="2">
+            <a:schemeClr val="accent5"/>
+          </a:effectRef>
+          <a:fontRef idx="minor">
+            <a:schemeClr val="lt1"/>
+          </a:fontRef>
+        </p:style>
+        <p:txBody>
+          <a:bodyPr rtlCol="0" anchor="ctr"/>
+          <a:lstStyle/>
+          <a:p>
+            <a:pPr algn="ctr"/>
+            <a:r>
+              <a:rPr lang="en-US" dirty="0" smtClean="0"/>
+              <a:t>Barista Lib</a:t>
+            </a:r>
+          </a:p>
+        </p:txBody>
+      </p:sp>
+      <p:sp>
+        <p:nvSpPr>
+          <p:cNvPr id="11" name="Rounded Rectangle 10"/>
+          <p:cNvSpPr/>
+          <p:nvPr/>
+        </p:nvSpPr>
+        <p:spPr>
+          <a:xfrm>
+            <a:off x="3860800" y="1417638"/>
+            <a:ext cx="1320800" cy="406400"/>
+          </a:xfrm>
+          <a:prstGeom prst="roundRect">
+            <a:avLst/>
+          </a:prstGeom>
+        </p:spPr>
+        <p:style>
+          <a:lnRef idx="1">
+            <a:schemeClr val="accent3"/>
+          </a:lnRef>
+          <a:fillRef idx="3">
+            <a:schemeClr val="accent3"/>
+          </a:fillRef>
+          <a:effectRef idx="2">
+            <a:schemeClr val="accent3"/>
+          </a:effectRef>
+          <a:fontRef idx="minor">
+            <a:schemeClr val="lt1"/>
+          </a:fontRef>
+        </p:style>
+        <p:txBody>
+          <a:bodyPr rtlCol="0" anchor="ctr"/>
+          <a:lstStyle/>
+          <a:p>
+            <a:pPr algn="ctr"/>
+            <a:r>
+              <a:rPr lang="en-US" dirty="0" smtClean="0"/>
+              <a:t>C++ Client</a:t>
+            </a:r>
+          </a:p>
+        </p:txBody>
+      </p:sp>
+      <p:sp>
+        <p:nvSpPr>
+          <p:cNvPr id="13" name="Rounded Rectangle 12"/>
+          <p:cNvSpPr/>
+          <p:nvPr/>
+        </p:nvSpPr>
+        <p:spPr>
+          <a:xfrm>
+            <a:off x="6604000" y="1282700"/>
+            <a:ext cx="1320800" cy="406400"/>
+          </a:xfrm>
+          <a:prstGeom prst="roundRect">
+            <a:avLst/>
+          </a:prstGeom>
+        </p:spPr>
+        <p:style>
+          <a:lnRef idx="1">
+            <a:schemeClr val="accent3"/>
+          </a:lnRef>
+          <a:fillRef idx="3">
+            <a:schemeClr val="accent3"/>
+          </a:fillRef>
+          <a:effectRef idx="2">
+            <a:schemeClr val="accent3"/>
+          </a:effectRef>
+          <a:fontRef idx="minor">
+            <a:schemeClr val="lt1"/>
+          </a:fontRef>
+        </p:style>
+        <p:txBody>
+          <a:bodyPr rtlCol="0" anchor="ctr"/>
+          <a:lstStyle/>
+          <a:p>
+            <a:pPr algn="ctr"/>
+            <a:r>
+              <a:rPr lang="en-US" dirty="0" smtClean="0"/>
+              <a:t>GO Client</a:t>
+            </a:r>
+          </a:p>
+        </p:txBody>
+      </p:sp>
+      <p:grpSp>
+        <p:nvGrpSpPr>
+          <p:cNvPr id="19" name="Group 18"/>
+          <p:cNvGrpSpPr/>
+          <p:nvPr/>
+        </p:nvGrpSpPr>
+        <p:grpSpPr>
+          <a:xfrm>
+            <a:off x="215900" y="3422650"/>
+            <a:ext cx="2336800" cy="819150"/>
+            <a:chOff x="444500" y="3422650"/>
+            <a:chExt cx="2336800" cy="819150"/>
+          </a:xfrm>
+        </p:grpSpPr>
+        <p:sp>
+          <p:nvSpPr>
+            <p:cNvPr id="14" name="Rectangle 13"/>
+            <p:cNvSpPr/>
+            <p:nvPr/>
+          </p:nvSpPr>
+          <p:spPr>
+            <a:xfrm>
+              <a:off x="457200" y="3422650"/>
+              <a:ext cx="2324100" cy="444500"/>
+            </a:xfrm>
+            <a:prstGeom prst="rect">
+              <a:avLst/>
+            </a:prstGeom>
+          </p:spPr>
+          <p:style>
+            <a:lnRef idx="1">
+              <a:schemeClr val="accent6"/>
+            </a:lnRef>
+            <a:fillRef idx="3">
+              <a:schemeClr val="accent6"/>
+            </a:fillRef>
+            <a:effectRef idx="2">
+              <a:schemeClr val="accent6"/>
+            </a:effectRef>
+            <a:fontRef idx="minor">
+              <a:schemeClr val="lt1"/>
+            </a:fontRef>
+          </p:style>
+          <p:txBody>
+            <a:bodyPr rtlCol="0" anchor="ctr"/>
+            <a:lstStyle/>
+            <a:p>
+              <a:pPr algn="ctr"/>
+              <a:r>
+                <a:rPr lang="en-US" dirty="0" smtClean="0"/>
+                <a:t>Barista</a:t>
+              </a:r>
+              <a:endParaRPr lang="en-US" dirty="0"/>
+            </a:p>
+          </p:txBody>
+        </p:sp>
+        <p:sp>
+          <p:nvSpPr>
+            <p:cNvPr id="17" name="Rectangle 16"/>
+            <p:cNvSpPr/>
+            <p:nvPr/>
+          </p:nvSpPr>
+          <p:spPr>
+            <a:xfrm>
+              <a:off x="444500" y="3867150"/>
+              <a:ext cx="939800" cy="374650"/>
+            </a:xfrm>
+            <a:prstGeom prst="rect">
+              <a:avLst/>
+            </a:prstGeom>
+          </p:spPr>
+          <p:style>
+            <a:lnRef idx="1">
+              <a:schemeClr val="accent4"/>
+            </a:lnRef>
+            <a:fillRef idx="3">
+              <a:schemeClr val="accent4"/>
+            </a:fillRef>
+            <a:effectRef idx="2">
+              <a:schemeClr val="accent4"/>
+            </a:effectRef>
+            <a:fontRef idx="minor">
+              <a:schemeClr val="lt1"/>
+            </a:fontRef>
+          </p:style>
+          <p:txBody>
+            <a:bodyPr rtlCol="0" anchor="ctr"/>
+            <a:lstStyle/>
+            <a:p>
+              <a:pPr algn="ctr"/>
+              <a:r>
+                <a:rPr lang="en-US" dirty="0" err="1" smtClean="0"/>
+                <a:t>Paxos</a:t>
+              </a:r>
+              <a:endParaRPr lang="en-US" dirty="0"/>
+            </a:p>
+          </p:txBody>
+        </p:sp>
+        <p:sp>
+          <p:nvSpPr>
+            <p:cNvPr id="18" name="Rectangle 17"/>
+            <p:cNvSpPr/>
+            <p:nvPr/>
+          </p:nvSpPr>
+          <p:spPr>
+            <a:xfrm>
+              <a:off x="1384300" y="3867150"/>
+              <a:ext cx="1397000" cy="374650"/>
+            </a:xfrm>
+            <a:prstGeom prst="rect">
+              <a:avLst/>
+            </a:prstGeom>
+          </p:spPr>
+          <p:style>
+            <a:lnRef idx="1">
+              <a:schemeClr val="accent5"/>
+            </a:lnRef>
+            <a:fillRef idx="3">
+              <a:schemeClr val="accent5"/>
+            </a:fillRef>
+            <a:effectRef idx="2">
+              <a:schemeClr val="accent5"/>
+            </a:effectRef>
+            <a:fontRef idx="minor">
+              <a:schemeClr val="lt1"/>
+            </a:fontRef>
+          </p:style>
+          <p:txBody>
+            <a:bodyPr rtlCol="0" anchor="ctr"/>
+            <a:lstStyle/>
+            <a:p>
+              <a:pPr algn="ctr"/>
+              <a:r>
+                <a:rPr lang="en-US" dirty="0" smtClean="0"/>
+                <a:t>Zookeeper</a:t>
+              </a:r>
+              <a:endParaRPr lang="en-US" dirty="0"/>
+            </a:p>
+          </p:txBody>
+        </p:sp>
+      </p:grpSp>
+      <p:grpSp>
+        <p:nvGrpSpPr>
+          <p:cNvPr id="20" name="Group 19"/>
+          <p:cNvGrpSpPr/>
+          <p:nvPr/>
+        </p:nvGrpSpPr>
+        <p:grpSpPr>
+          <a:xfrm>
+            <a:off x="3213100" y="3803651"/>
+            <a:ext cx="2336800" cy="819150"/>
+            <a:chOff x="444500" y="3422650"/>
+            <a:chExt cx="2336800" cy="819150"/>
+          </a:xfrm>
+        </p:grpSpPr>
+        <p:sp>
+          <p:nvSpPr>
+            <p:cNvPr id="21" name="Rectangle 20"/>
+            <p:cNvSpPr/>
+            <p:nvPr/>
+          </p:nvSpPr>
+          <p:spPr>
+            <a:xfrm>
+              <a:off x="457200" y="3422650"/>
+              <a:ext cx="2324100" cy="444500"/>
+            </a:xfrm>
+            <a:prstGeom prst="rect">
+              <a:avLst/>
+            </a:prstGeom>
+          </p:spPr>
+          <p:style>
+            <a:lnRef idx="1">
+              <a:schemeClr val="accent6"/>
+            </a:lnRef>
+            <a:fillRef idx="3">
+              <a:schemeClr val="accent6"/>
+            </a:fillRef>
+            <a:effectRef idx="2">
+              <a:schemeClr val="accent6"/>
+            </a:effectRef>
+            <a:fontRef idx="minor">
+              <a:schemeClr val="lt1"/>
+            </a:fontRef>
+          </p:style>
+          <p:txBody>
+            <a:bodyPr rtlCol="0" anchor="ctr"/>
+            <a:lstStyle/>
+            <a:p>
+              <a:pPr algn="ctr"/>
+              <a:r>
+                <a:rPr lang="en-US" dirty="0" smtClean="0"/>
+                <a:t>Barista</a:t>
+              </a:r>
+              <a:endParaRPr lang="en-US" dirty="0"/>
+            </a:p>
+          </p:txBody>
+        </p:sp>
+        <p:sp>
+          <p:nvSpPr>
+            <p:cNvPr id="22" name="Rectangle 21"/>
+            <p:cNvSpPr/>
+            <p:nvPr/>
+          </p:nvSpPr>
+          <p:spPr>
+            <a:xfrm>
+              <a:off x="444500" y="3867150"/>
+              <a:ext cx="939800" cy="374650"/>
+            </a:xfrm>
+            <a:prstGeom prst="rect">
+              <a:avLst/>
+            </a:prstGeom>
+          </p:spPr>
+          <p:style>
+            <a:lnRef idx="1">
+              <a:schemeClr val="accent4"/>
+            </a:lnRef>
+            <a:fillRef idx="3">
+              <a:schemeClr val="accent4"/>
+            </a:fillRef>
+            <a:effectRef idx="2">
+              <a:schemeClr val="accent4"/>
+            </a:effectRef>
+            <a:fontRef idx="minor">
+              <a:schemeClr val="lt1"/>
+            </a:fontRef>
+          </p:style>
+          <p:txBody>
+            <a:bodyPr rtlCol="0" anchor="ctr"/>
+            <a:lstStyle/>
+            <a:p>
+              <a:pPr algn="ctr"/>
+              <a:r>
+                <a:rPr lang="en-US" dirty="0" err="1" smtClean="0"/>
+                <a:t>Paxos</a:t>
+              </a:r>
+              <a:endParaRPr lang="en-US" dirty="0"/>
+            </a:p>
+          </p:txBody>
+        </p:sp>
+        <p:sp>
+          <p:nvSpPr>
+            <p:cNvPr id="23" name="Rectangle 22"/>
+            <p:cNvSpPr/>
+            <p:nvPr/>
+          </p:nvSpPr>
+          <p:spPr>
+            <a:xfrm>
+              <a:off x="1384300" y="3867150"/>
+              <a:ext cx="1397000" cy="374650"/>
+            </a:xfrm>
+            <a:prstGeom prst="rect">
+              <a:avLst/>
+            </a:prstGeom>
+          </p:spPr>
+          <p:style>
+            <a:lnRef idx="1">
+              <a:schemeClr val="accent5"/>
+            </a:lnRef>
+            <a:fillRef idx="3">
+              <a:schemeClr val="accent5"/>
+            </a:fillRef>
+            <a:effectRef idx="2">
+              <a:schemeClr val="accent5"/>
+            </a:effectRef>
+            <a:fontRef idx="minor">
+              <a:schemeClr val="lt1"/>
+            </a:fontRef>
+          </p:style>
+          <p:txBody>
+            <a:bodyPr rtlCol="0" anchor="ctr"/>
+            <a:lstStyle/>
+            <a:p>
+              <a:pPr algn="ctr"/>
+              <a:r>
+                <a:rPr lang="en-US" dirty="0" smtClean="0"/>
+                <a:t>Zookeeper</a:t>
+              </a:r>
+              <a:endParaRPr lang="en-US" dirty="0"/>
+            </a:p>
+          </p:txBody>
+        </p:sp>
+      </p:grpSp>
+      <p:grpSp>
+        <p:nvGrpSpPr>
+          <p:cNvPr id="24" name="Group 23"/>
+          <p:cNvGrpSpPr/>
+          <p:nvPr/>
+        </p:nvGrpSpPr>
+        <p:grpSpPr>
+          <a:xfrm>
+            <a:off x="5892800" y="3679825"/>
+            <a:ext cx="2336800" cy="819150"/>
+            <a:chOff x="444500" y="3422650"/>
+            <a:chExt cx="2336800" cy="819150"/>
+          </a:xfrm>
+        </p:grpSpPr>
+        <p:sp>
+          <p:nvSpPr>
+            <p:cNvPr id="25" name="Rectangle 24"/>
+            <p:cNvSpPr/>
+            <p:nvPr/>
+          </p:nvSpPr>
+          <p:spPr>
+            <a:xfrm>
+              <a:off x="457200" y="3422650"/>
+              <a:ext cx="2324100" cy="444500"/>
+            </a:xfrm>
+            <a:prstGeom prst="rect">
+              <a:avLst/>
+            </a:prstGeom>
+          </p:spPr>
+          <p:style>
+            <a:lnRef idx="1">
+              <a:schemeClr val="accent6"/>
+            </a:lnRef>
+            <a:fillRef idx="3">
+              <a:schemeClr val="accent6"/>
+            </a:fillRef>
+            <a:effectRef idx="2">
+              <a:schemeClr val="accent6"/>
+            </a:effectRef>
+            <a:fontRef idx="minor">
+              <a:schemeClr val="lt1"/>
+            </a:fontRef>
+          </p:style>
+          <p:txBody>
+            <a:bodyPr rtlCol="0" anchor="ctr"/>
+            <a:lstStyle/>
+            <a:p>
+              <a:pPr algn="ctr"/>
+              <a:r>
+                <a:rPr lang="en-US" dirty="0" smtClean="0"/>
+                <a:t>Barista</a:t>
+              </a:r>
+              <a:endParaRPr lang="en-US" dirty="0"/>
+            </a:p>
+          </p:txBody>
+        </p:sp>
+        <p:sp>
+          <p:nvSpPr>
+            <p:cNvPr id="26" name="Rectangle 25"/>
+            <p:cNvSpPr/>
+            <p:nvPr/>
+          </p:nvSpPr>
+          <p:spPr>
+            <a:xfrm>
+              <a:off x="444500" y="3867150"/>
+              <a:ext cx="939800" cy="374650"/>
+            </a:xfrm>
+            <a:prstGeom prst="rect">
+              <a:avLst/>
+            </a:prstGeom>
+          </p:spPr>
+          <p:style>
+            <a:lnRef idx="1">
+              <a:schemeClr val="accent4"/>
+            </a:lnRef>
+            <a:fillRef idx="3">
+              <a:schemeClr val="accent4"/>
+            </a:fillRef>
+            <a:effectRef idx="2">
+              <a:schemeClr val="accent4"/>
+            </a:effectRef>
+            <a:fontRef idx="minor">
+              <a:schemeClr val="lt1"/>
+            </a:fontRef>
+          </p:style>
+          <p:txBody>
+            <a:bodyPr rtlCol="0" anchor="ctr"/>
+            <a:lstStyle/>
+            <a:p>
+              <a:pPr algn="ctr"/>
+              <a:r>
+                <a:rPr lang="en-US" dirty="0" err="1" smtClean="0"/>
+                <a:t>Paxos</a:t>
+              </a:r>
+              <a:endParaRPr lang="en-US" dirty="0"/>
+            </a:p>
+          </p:txBody>
+        </p:sp>
+        <p:sp>
+          <p:nvSpPr>
+            <p:cNvPr id="27" name="Rectangle 26"/>
+            <p:cNvSpPr/>
+            <p:nvPr/>
+          </p:nvSpPr>
+          <p:spPr>
+            <a:xfrm>
+              <a:off x="1384300" y="3867150"/>
+              <a:ext cx="1397000" cy="374650"/>
+            </a:xfrm>
+            <a:prstGeom prst="rect">
+              <a:avLst/>
+            </a:prstGeom>
+          </p:spPr>
+          <p:style>
+            <a:lnRef idx="1">
+              <a:schemeClr val="accent5"/>
+            </a:lnRef>
+            <a:fillRef idx="3">
+              <a:schemeClr val="accent5"/>
+            </a:fillRef>
+            <a:effectRef idx="2">
+              <a:schemeClr val="accent5"/>
+            </a:effectRef>
+            <a:fontRef idx="minor">
+              <a:schemeClr val="lt1"/>
+            </a:fontRef>
+          </p:style>
+          <p:txBody>
+            <a:bodyPr rtlCol="0" anchor="ctr"/>
+            <a:lstStyle/>
+            <a:p>
+              <a:pPr algn="ctr"/>
+              <a:r>
+                <a:rPr lang="en-US" dirty="0" smtClean="0"/>
+                <a:t>Zookeeper</a:t>
+              </a:r>
+              <a:endParaRPr lang="en-US" dirty="0"/>
+            </a:p>
+          </p:txBody>
+        </p:sp>
+      </p:grpSp>
+      <p:cxnSp>
+        <p:nvCxnSpPr>
+          <p:cNvPr id="34" name="Curved Connector 33"/>
+          <p:cNvCxnSpPr>
+            <a:stCxn id="17" idx="2"/>
+            <a:endCxn id="22" idx="1"/>
+          </p:cNvCxnSpPr>
+          <p:nvPr/>
+        </p:nvCxnSpPr>
+        <p:spPr>
+          <a:xfrm rot="16200000" flipH="1">
+            <a:off x="1852612" y="3074988"/>
+            <a:ext cx="193676" cy="2527300"/>
+          </a:xfrm>
+          <a:prstGeom prst="curvedConnector2">
+            <a:avLst/>
+          </a:prstGeom>
+          <a:ln>
+            <a:headEnd type="triangle"/>
+            <a:tailEnd type="triangle"/>
+          </a:ln>
+        </p:spPr>
+        <p:style>
+          <a:lnRef idx="2">
+            <a:schemeClr val="accent4"/>
+          </a:lnRef>
+          <a:fillRef idx="0">
+            <a:schemeClr val="accent4"/>
+          </a:fillRef>
+          <a:effectRef idx="1">
+            <a:schemeClr val="accent4"/>
+          </a:effectRef>
+          <a:fontRef idx="minor">
+            <a:schemeClr val="tx1"/>
+          </a:fontRef>
+        </p:style>
+      </p:cxnSp>
+      <p:cxnSp>
+        <p:nvCxnSpPr>
+          <p:cNvPr id="36" name="Curved Connector 35"/>
+          <p:cNvCxnSpPr>
+            <a:stCxn id="17" idx="2"/>
+            <a:endCxn id="26" idx="2"/>
+          </p:cNvCxnSpPr>
+          <p:nvPr/>
+        </p:nvCxnSpPr>
+        <p:spPr>
+          <a:xfrm rot="16200000" flipH="1">
+            <a:off x="3395663" y="1531937"/>
+            <a:ext cx="257175" cy="5676900"/>
+          </a:xfrm>
+          <a:prstGeom prst="curvedConnector3">
+            <a:avLst>
+              <a:gd name="adj1" fmla="val 519753"/>
+            </a:avLst>
+          </a:prstGeom>
+          <a:ln>
+            <a:headEnd type="triangle"/>
+            <a:tailEnd type="triangle"/>
+          </a:ln>
+        </p:spPr>
+        <p:style>
+          <a:lnRef idx="2">
+            <a:schemeClr val="accent4"/>
+          </a:lnRef>
+          <a:fillRef idx="0">
+            <a:schemeClr val="accent4"/>
+          </a:fillRef>
+          <a:effectRef idx="1">
+            <a:schemeClr val="accent4"/>
+          </a:effectRef>
+          <a:fontRef idx="minor">
+            <a:schemeClr val="tx1"/>
+          </a:fontRef>
+        </p:style>
+      </p:cxnSp>
+      <p:cxnSp>
+        <p:nvCxnSpPr>
+          <p:cNvPr id="39" name="Curved Connector 38"/>
+          <p:cNvCxnSpPr>
+            <a:stCxn id="22" idx="2"/>
+            <a:endCxn id="26" idx="2"/>
+          </p:cNvCxnSpPr>
+          <p:nvPr/>
+        </p:nvCxnSpPr>
+        <p:spPr>
+          <a:xfrm rot="5400000" flipH="1" flipV="1">
+            <a:off x="4960937" y="3221038"/>
+            <a:ext cx="123826" cy="2679700"/>
+          </a:xfrm>
+          <a:prstGeom prst="curvedConnector3">
+            <a:avLst>
+              <a:gd name="adj1" fmla="val -184614"/>
+            </a:avLst>
+          </a:prstGeom>
+          <a:ln>
+            <a:headEnd type="arrow"/>
+            <a:tailEnd type="arrow"/>
+          </a:ln>
+        </p:spPr>
+        <p:style>
+          <a:lnRef idx="2">
+            <a:schemeClr val="accent4"/>
+          </a:lnRef>
+          <a:fillRef idx="0">
+            <a:schemeClr val="accent4"/>
+          </a:fillRef>
+          <a:effectRef idx="1">
+            <a:schemeClr val="accent4"/>
+          </a:effectRef>
+          <a:fontRef idx="minor">
+            <a:schemeClr val="tx1"/>
+          </a:fontRef>
+        </p:style>
+      </p:cxnSp>
+      <p:cxnSp>
+        <p:nvCxnSpPr>
+          <p:cNvPr id="41" name="Straight Arrow Connector 40"/>
+          <p:cNvCxnSpPr>
+            <a:stCxn id="10" idx="2"/>
+            <a:endCxn id="46" idx="0"/>
+          </p:cNvCxnSpPr>
+          <p:nvPr/>
+        </p:nvCxnSpPr>
+        <p:spPr>
+          <a:xfrm>
+            <a:off x="1651000" y="2298700"/>
+            <a:ext cx="2730500" cy="1270000"/>
+          </a:xfrm>
+          <a:prstGeom prst="straightConnector1">
+            <a:avLst/>
+          </a:prstGeom>
+          <a:ln>
+            <a:tailEnd type="arrow"/>
+          </a:ln>
+        </p:spPr>
+        <p:style>
+          <a:lnRef idx="2">
+            <a:schemeClr val="accent3"/>
+          </a:lnRef>
+          <a:fillRef idx="0">
+            <a:schemeClr val="accent3"/>
+          </a:fillRef>
+          <a:effectRef idx="1">
+            <a:schemeClr val="accent3"/>
+          </a:effectRef>
+          <a:fontRef idx="minor">
+            <a:schemeClr val="tx1"/>
+          </a:fontRef>
+        </p:style>
+      </p:cxnSp>
+      <p:cxnSp>
+        <p:nvCxnSpPr>
+          <p:cNvPr id="42" name="Straight Arrow Connector 41"/>
+          <p:cNvCxnSpPr>
+            <a:stCxn id="13" idx="2"/>
+            <a:endCxn id="49" idx="0"/>
+          </p:cNvCxnSpPr>
+          <p:nvPr/>
+        </p:nvCxnSpPr>
+        <p:spPr>
+          <a:xfrm flipH="1">
+            <a:off x="7061200" y="1689100"/>
+            <a:ext cx="203200" cy="1746250"/>
+          </a:xfrm>
+          <a:prstGeom prst="straightConnector1">
+            <a:avLst/>
+          </a:prstGeom>
+          <a:ln>
+            <a:tailEnd type="arrow"/>
+          </a:ln>
+        </p:spPr>
+        <p:style>
+          <a:lnRef idx="2">
+            <a:schemeClr val="accent3"/>
+          </a:lnRef>
+          <a:fillRef idx="0">
+            <a:schemeClr val="accent3"/>
+          </a:fillRef>
+          <a:effectRef idx="1">
+            <a:schemeClr val="accent3"/>
+          </a:effectRef>
+          <a:fontRef idx="minor">
+            <a:schemeClr val="tx1"/>
+          </a:fontRef>
+        </p:style>
+      </p:cxnSp>
+      <p:sp>
+        <p:nvSpPr>
+          <p:cNvPr id="45" name="Rectangle 44"/>
+          <p:cNvSpPr/>
+          <p:nvPr/>
+        </p:nvSpPr>
+        <p:spPr>
+          <a:xfrm>
+            <a:off x="215900" y="3200400"/>
+            <a:ext cx="2336800" cy="222250"/>
+          </a:xfrm>
+          <a:prstGeom prst="rect">
+            <a:avLst/>
+          </a:prstGeom>
+        </p:spPr>
+        <p:style>
+          <a:lnRef idx="1">
+            <a:schemeClr val="accent1"/>
+          </a:lnRef>
+          <a:fillRef idx="3">
+            <a:schemeClr val="accent1"/>
+          </a:fillRef>
+          <a:effectRef idx="2">
+            <a:schemeClr val="accent1"/>
+          </a:effectRef>
+          <a:fontRef idx="minor">
+            <a:schemeClr val="lt1"/>
+          </a:fontRef>
+        </p:style>
+        <p:txBody>
+          <a:bodyPr rtlCol="0" anchor="ctr"/>
+          <a:lstStyle/>
+          <a:p>
+            <a:pPr algn="ctr"/>
+            <a:r>
+              <a:rPr lang="en-US" dirty="0" smtClean="0"/>
+              <a:t>Thrift</a:t>
+            </a:r>
             <a:endParaRPr lang="en-US" dirty="0"/>
           </a:p>
-          <a:p>
-            <a:r>
-              <a:rPr lang="en-US" dirty="0"/>
-              <a:t>Performance Optimizations</a:t>
-            </a:r>
-          </a:p>
-          <a:p>
-            <a:pPr lvl="1"/>
-            <a:r>
-              <a:rPr lang="en-US" dirty="0"/>
-              <a:t>m</a:t>
-            </a:r>
-            <a:r>
-              <a:rPr lang="en-US" dirty="0" smtClean="0"/>
-              <a:t>ulti-</a:t>
-            </a:r>
-            <a:r>
-              <a:rPr lang="en-US" dirty="0" err="1" smtClean="0"/>
-              <a:t>paxos</a:t>
-            </a:r>
-            <a:endParaRPr lang="en-US" dirty="0" smtClean="0"/>
-          </a:p>
-          <a:p>
+        </p:txBody>
+      </p:sp>
+      <p:sp>
+        <p:nvSpPr>
+          <p:cNvPr id="46" name="Rectangle 45"/>
+          <p:cNvSpPr/>
+          <p:nvPr/>
+        </p:nvSpPr>
+        <p:spPr>
+          <a:xfrm>
+            <a:off x="3213100" y="3568700"/>
+            <a:ext cx="2336800" cy="222250"/>
+          </a:xfrm>
+          <a:prstGeom prst="rect">
+            <a:avLst/>
+          </a:prstGeom>
+        </p:spPr>
+        <p:style>
+          <a:lnRef idx="1">
+            <a:schemeClr val="accent1"/>
+          </a:lnRef>
+          <a:fillRef idx="3">
+            <a:schemeClr val="accent1"/>
+          </a:fillRef>
+          <a:effectRef idx="2">
+            <a:schemeClr val="accent1"/>
+          </a:effectRef>
+          <a:fontRef idx="minor">
+            <a:schemeClr val="lt1"/>
+          </a:fontRef>
+        </p:style>
+        <p:txBody>
+          <a:bodyPr rtlCol="0" anchor="ctr"/>
+          <a:lstStyle/>
+          <a:p>
+            <a:pPr algn="ctr"/>
+            <a:r>
+              <a:rPr lang="en-US" dirty="0" smtClean="0"/>
+              <a:t>Thrift</a:t>
+            </a:r>
             <a:endParaRPr lang="en-US" dirty="0"/>
           </a:p>
-          <a:p>
-            <a:r>
-              <a:rPr lang="en-US" dirty="0" smtClean="0"/>
-              <a:t>A comprehensive test-suite</a:t>
+        </p:txBody>
+      </p:sp>
+      <p:sp>
+        <p:nvSpPr>
+          <p:cNvPr id="49" name="Rectangle 48"/>
+          <p:cNvSpPr/>
+          <p:nvPr/>
+        </p:nvSpPr>
+        <p:spPr>
+          <a:xfrm>
+            <a:off x="5892800" y="3435350"/>
+            <a:ext cx="2336800" cy="222250"/>
+          </a:xfrm>
+          <a:prstGeom prst="rect">
+            <a:avLst/>
+          </a:prstGeom>
+        </p:spPr>
+        <p:style>
+          <a:lnRef idx="1">
+            <a:schemeClr val="accent1"/>
+          </a:lnRef>
+          <a:fillRef idx="3">
+            <a:schemeClr val="accent1"/>
+          </a:fillRef>
+          <a:effectRef idx="2">
+            <a:schemeClr val="accent1"/>
+          </a:effectRef>
+          <a:fontRef idx="minor">
+            <a:schemeClr val="lt1"/>
+          </a:fontRef>
+        </p:style>
+        <p:txBody>
+          <a:bodyPr rtlCol="0" anchor="ctr"/>
+          <a:lstStyle/>
+          <a:p>
+            <a:pPr algn="ctr"/>
+            <a:r>
+              <a:rPr lang="en-US" dirty="0" smtClean="0"/>
+              <a:t>Thrift</a:t>
             </a:r>
             <a:endParaRPr lang="en-US" dirty="0"/>
           </a:p>
         </p:txBody>
       </p:sp>
+      <p:sp>
+        <p:nvSpPr>
+          <p:cNvPr id="53" name="Rounded Rectangle 52"/>
+          <p:cNvSpPr/>
+          <p:nvPr/>
+        </p:nvSpPr>
+        <p:spPr>
+          <a:xfrm>
+            <a:off x="990600" y="1473200"/>
+            <a:ext cx="1320800" cy="406400"/>
+          </a:xfrm>
+          <a:prstGeom prst="roundRect">
+            <a:avLst/>
+          </a:prstGeom>
+        </p:spPr>
+        <p:style>
+          <a:lnRef idx="1">
+            <a:schemeClr val="accent3"/>
+          </a:lnRef>
+          <a:fillRef idx="3">
+            <a:schemeClr val="accent3"/>
+          </a:fillRef>
+          <a:effectRef idx="2">
+            <a:schemeClr val="accent3"/>
+          </a:effectRef>
+          <a:fontRef idx="minor">
+            <a:schemeClr val="lt1"/>
+          </a:fontRef>
+        </p:style>
+        <p:txBody>
+          <a:bodyPr rtlCol="0" anchor="ctr"/>
+          <a:lstStyle/>
+          <a:p>
+            <a:pPr algn="ctr"/>
+            <a:r>
+              <a:rPr lang="en-US" dirty="0" smtClean="0"/>
+              <a:t>Java Client</a:t>
+            </a:r>
+          </a:p>
+        </p:txBody>
+      </p:sp>
+      <p:sp>
+        <p:nvSpPr>
+          <p:cNvPr id="54" name="Rounded Rectangle 53"/>
+          <p:cNvSpPr/>
+          <p:nvPr/>
+        </p:nvSpPr>
+        <p:spPr>
+          <a:xfrm>
+            <a:off x="3860800" y="1841500"/>
+            <a:ext cx="1320800" cy="406400"/>
+          </a:xfrm>
+          <a:prstGeom prst="roundRect">
+            <a:avLst/>
+          </a:prstGeom>
+        </p:spPr>
+        <p:style>
+          <a:lnRef idx="1">
+            <a:schemeClr val="accent5"/>
+          </a:lnRef>
+          <a:fillRef idx="3">
+            <a:schemeClr val="accent5"/>
+          </a:fillRef>
+          <a:effectRef idx="2">
+            <a:schemeClr val="accent5"/>
+          </a:effectRef>
+          <a:fontRef idx="minor">
+            <a:schemeClr val="lt1"/>
+          </a:fontRef>
+        </p:style>
+        <p:txBody>
+          <a:bodyPr rtlCol="0" anchor="ctr"/>
+          <a:lstStyle/>
+          <a:p>
+            <a:pPr algn="ctr"/>
+            <a:r>
+              <a:rPr lang="en-US" dirty="0" smtClean="0"/>
+              <a:t>Barista Lib</a:t>
+            </a:r>
+          </a:p>
+        </p:txBody>
+      </p:sp>
+      <p:sp>
+        <p:nvSpPr>
+          <p:cNvPr id="55" name="Rounded Rectangle 54"/>
+          <p:cNvSpPr/>
+          <p:nvPr/>
+        </p:nvSpPr>
+        <p:spPr>
+          <a:xfrm>
+            <a:off x="6604000" y="1689100"/>
+            <a:ext cx="1320800" cy="406400"/>
+          </a:xfrm>
+          <a:prstGeom prst="roundRect">
+            <a:avLst/>
+          </a:prstGeom>
+        </p:spPr>
+        <p:style>
+          <a:lnRef idx="1">
+            <a:schemeClr val="accent5"/>
+          </a:lnRef>
+          <a:fillRef idx="3">
+            <a:schemeClr val="accent5"/>
+          </a:fillRef>
+          <a:effectRef idx="2">
+            <a:schemeClr val="accent5"/>
+          </a:effectRef>
+          <a:fontRef idx="minor">
+            <a:schemeClr val="lt1"/>
+          </a:fontRef>
+        </p:style>
+        <p:txBody>
+          <a:bodyPr rtlCol="0" anchor="ctr"/>
+          <a:lstStyle/>
+          <a:p>
+            <a:pPr algn="ctr"/>
+            <a:r>
+              <a:rPr lang="en-US" dirty="0" smtClean="0"/>
+              <a:t>Barista Lib</a:t>
+            </a:r>
+          </a:p>
+        </p:txBody>
+      </p:sp>
+      <p:cxnSp>
+        <p:nvCxnSpPr>
+          <p:cNvPr id="56" name="Straight Arrow Connector 55"/>
+          <p:cNvCxnSpPr>
+            <a:stCxn id="54" idx="2"/>
+            <a:endCxn id="45" idx="0"/>
+          </p:cNvCxnSpPr>
+          <p:nvPr/>
+        </p:nvCxnSpPr>
+        <p:spPr>
+          <a:xfrm flipH="1">
+            <a:off x="1384300" y="2247900"/>
+            <a:ext cx="3136900" cy="952500"/>
+          </a:xfrm>
+          <a:prstGeom prst="straightConnector1">
+            <a:avLst/>
+          </a:prstGeom>
+          <a:ln>
+            <a:tailEnd type="arrow"/>
+          </a:ln>
+        </p:spPr>
+        <p:style>
+          <a:lnRef idx="2">
+            <a:schemeClr val="accent3"/>
+          </a:lnRef>
+          <a:fillRef idx="0">
+            <a:schemeClr val="accent3"/>
+          </a:fillRef>
+          <a:effectRef idx="1">
+            <a:schemeClr val="accent3"/>
+          </a:effectRef>
+          <a:fontRef idx="minor">
+            <a:schemeClr val="tx1"/>
+          </a:fontRef>
+        </p:style>
+      </p:cxnSp>
+      <p:sp>
+        <p:nvSpPr>
+          <p:cNvPr id="59" name="Rectangle 58"/>
+          <p:cNvSpPr/>
+          <p:nvPr/>
+        </p:nvSpPr>
+        <p:spPr>
+          <a:xfrm>
+            <a:off x="88900" y="1824038"/>
+            <a:ext cx="8293100" cy="2989262"/>
+          </a:xfrm>
+          <a:prstGeom prst="rect">
+            <a:avLst/>
+          </a:prstGeom>
+          <a:gradFill flip="none" rotWithShape="1">
+            <a:gsLst>
+              <a:gs pos="0">
+                <a:schemeClr val="accent1">
+                  <a:shade val="51000"/>
+                  <a:satMod val="130000"/>
+                  <a:alpha val="0"/>
+                </a:schemeClr>
+              </a:gs>
+              <a:gs pos="80000">
+                <a:schemeClr val="accent1">
+                  <a:shade val="93000"/>
+                  <a:satMod val="130000"/>
+                  <a:alpha val="0"/>
+                </a:schemeClr>
+              </a:gs>
+              <a:gs pos="100000">
+                <a:schemeClr val="accent1">
+                  <a:shade val="94000"/>
+                  <a:satMod val="135000"/>
+                  <a:alpha val="0"/>
+                </a:schemeClr>
+              </a:gs>
+            </a:gsLst>
+            <a:lin ang="16200000" scaled="0"/>
+            <a:tileRect/>
+          </a:gradFill>
+          <a:ln>
+            <a:solidFill>
+              <a:schemeClr val="tx1"/>
+            </a:solidFill>
+            <a:prstDash val="dash"/>
+          </a:ln>
+        </p:spPr>
+        <p:style>
+          <a:lnRef idx="1">
+            <a:schemeClr val="accent1"/>
+          </a:lnRef>
+          <a:fillRef idx="3">
+            <a:schemeClr val="accent1"/>
+          </a:fillRef>
+          <a:effectRef idx="2">
+            <a:schemeClr val="accent1"/>
+          </a:effectRef>
+          <a:fontRef idx="minor">
+            <a:schemeClr val="lt1"/>
+          </a:fontRef>
+        </p:style>
+        <p:txBody>
+          <a:bodyPr rtlCol="0" anchor="ctr"/>
+          <a:lstStyle/>
+          <a:p>
+            <a:pPr algn="ctr"/>
+            <a:endParaRPr lang="en-US"/>
+          </a:p>
+        </p:txBody>
+      </p:sp>
+      <p:cxnSp>
+        <p:nvCxnSpPr>
+          <p:cNvPr id="61" name="Straight Arrow Connector 60"/>
+          <p:cNvCxnSpPr/>
+          <p:nvPr/>
+        </p:nvCxnSpPr>
+        <p:spPr>
+          <a:xfrm>
+            <a:off x="1270000" y="4241800"/>
+            <a:ext cx="0" cy="571500"/>
+          </a:xfrm>
+          <a:prstGeom prst="straightConnector1">
+            <a:avLst/>
+          </a:prstGeom>
+          <a:ln>
+            <a:tailEnd type="arrow"/>
+          </a:ln>
+        </p:spPr>
+        <p:style>
+          <a:lnRef idx="2">
+            <a:schemeClr val="accent6"/>
+          </a:lnRef>
+          <a:fillRef idx="0">
+            <a:schemeClr val="accent6"/>
+          </a:fillRef>
+          <a:effectRef idx="1">
+            <a:schemeClr val="accent6"/>
+          </a:effectRef>
+          <a:fontRef idx="minor">
+            <a:schemeClr val="tx1"/>
+          </a:fontRef>
+        </p:style>
+      </p:cxnSp>
+      <p:cxnSp>
+        <p:nvCxnSpPr>
+          <p:cNvPr id="63" name="Straight Arrow Connector 62"/>
+          <p:cNvCxnSpPr/>
+          <p:nvPr/>
+        </p:nvCxnSpPr>
+        <p:spPr>
+          <a:xfrm>
+            <a:off x="6959600" y="4498975"/>
+            <a:ext cx="0" cy="314325"/>
+          </a:xfrm>
+          <a:prstGeom prst="straightConnector1">
+            <a:avLst/>
+          </a:prstGeom>
+          <a:ln>
+            <a:tailEnd type="arrow"/>
+          </a:ln>
+        </p:spPr>
+        <p:style>
+          <a:lnRef idx="2">
+            <a:schemeClr val="accent6"/>
+          </a:lnRef>
+          <a:fillRef idx="0">
+            <a:schemeClr val="accent6"/>
+          </a:fillRef>
+          <a:effectRef idx="1">
+            <a:schemeClr val="accent6"/>
+          </a:effectRef>
+          <a:fontRef idx="minor">
+            <a:schemeClr val="tx1"/>
+          </a:fontRef>
+        </p:style>
+      </p:cxnSp>
+      <p:cxnSp>
+        <p:nvCxnSpPr>
+          <p:cNvPr id="64" name="Straight Arrow Connector 63"/>
+          <p:cNvCxnSpPr>
+            <a:endCxn id="5" idx="1"/>
+          </p:cNvCxnSpPr>
+          <p:nvPr/>
+        </p:nvCxnSpPr>
+        <p:spPr>
+          <a:xfrm flipH="1">
+            <a:off x="4514850" y="4622801"/>
+            <a:ext cx="6350" cy="654049"/>
+          </a:xfrm>
+          <a:prstGeom prst="straightConnector1">
+            <a:avLst/>
+          </a:prstGeom>
+          <a:ln>
+            <a:tailEnd type="arrow"/>
+          </a:ln>
+        </p:spPr>
+        <p:style>
+          <a:lnRef idx="2">
+            <a:schemeClr val="accent6"/>
+          </a:lnRef>
+          <a:fillRef idx="0">
+            <a:schemeClr val="accent6"/>
+          </a:fillRef>
+          <a:effectRef idx="1">
+            <a:schemeClr val="accent6"/>
+          </a:effectRef>
+          <a:fontRef idx="minor">
+            <a:schemeClr val="tx1"/>
+          </a:fontRef>
+        </p:style>
+      </p:cxnSp>
     </p:spTree>
     <p:extLst>
       <p:ext uri="{BB962C8B-B14F-4D97-AF65-F5344CB8AC3E}">
-        <p14:creationId xmlns:p14="http://schemas.microsoft.com/office/powerpoint/2010/main" val="544775390"/>
+        <p14:creationId xmlns:p14="http://schemas.microsoft.com/office/powerpoint/2010/main" val="1878475883"/>
       </p:ext>
     </p:extLst>
   </p:cSld>
@@ -5044,7 +6842,7 @@
         </p:spPr>
         <p:txBody>
           <a:bodyPr>
-            <a:normAutofit fontScale="55000" lnSpcReduction="20000"/>
+            <a:normAutofit fontScale="47500" lnSpcReduction="20000"/>
           </a:bodyPr>
           <a:lstStyle/>
           <a:p>
@@ -5089,20 +6887,16 @@
             </a:r>
             <a:r>
               <a:rPr lang="en-US" sz="3600" dirty="0" smtClean="0"/>
-              <a:t>clients (and </a:t>
+              <a:t>clients (no </a:t>
             </a:r>
             <a:r>
               <a:rPr lang="en-US" sz="3600" dirty="0"/>
-              <a:t>therefore they must not need to connect to different instances </a:t>
+              <a:t>need to connect to different instances </a:t>
             </a:r>
             <a:r>
               <a:rPr lang="en-US" sz="3600" dirty="0" smtClean="0"/>
               <a:t>separately)</a:t>
             </a:r>
-            <a:endParaRPr lang="en-US" dirty="0" smtClean="0"/>
-          </a:p>
-          <a:p>
-            <a:pPr lvl="1"/>
             <a:endParaRPr lang="en-US" dirty="0" smtClean="0"/>
           </a:p>
           <a:p>
@@ -5125,26 +6919,6 @@
               </a:rPr>
               <a:t>   </a:t>
             </a:r>
-            <a:r>
-              <a:rPr lang="en-US" dirty="0" smtClean="0">
-                <a:solidFill>
-                  <a:srgbClr val="4F81BD"/>
-                </a:solidFill>
-                <a:latin typeface="Courier New"/>
-                <a:cs typeface="Courier New"/>
-              </a:rPr>
-              <a:t>/</a:t>
-            </a:r>
-            <a:r>
-              <a:rPr lang="en-US" dirty="0">
-                <a:solidFill>
-                  <a:srgbClr val="4F81BD"/>
-                </a:solidFill>
-                <a:latin typeface="Courier New"/>
-                <a:cs typeface="Courier New"/>
-              </a:rPr>
-              <a:t>/ open connection to  machine 1</a:t>
-            </a:r>
           </a:p>
           <a:p>
             <a:pPr marL="457200" lvl="1" indent="0">
@@ -5153,22 +6927,32 @@
             <a:r>
               <a:rPr lang="en-US" dirty="0">
                 <a:solidFill>
-                  <a:srgbClr val="4F81BD"/>
-                </a:solidFill>
-                <a:latin typeface="Courier New"/>
-                <a:cs typeface="Courier New"/>
-              </a:rPr>
-              <a:t>  con, err = </a:t>
-            </a:r>
-            <a:r>
-              <a:rPr lang="en-US" dirty="0" err="1">
-                <a:solidFill>
-                  <a:srgbClr val="4F81BD"/>
-                </a:solidFill>
-                <a:latin typeface="Courier New"/>
-                <a:cs typeface="Courier New"/>
-              </a:rPr>
-              <a:t>clerk.OpenConnection</a:t>
+                  <a:srgbClr val="A6A6A6"/>
+                </a:solidFill>
+                <a:latin typeface="Courier New"/>
+                <a:cs typeface="Courier New"/>
+              </a:rPr>
+              <a:t> </a:t>
+            </a:r>
+            <a:r>
+              <a:rPr lang="en-US" dirty="0" smtClean="0">
+                <a:solidFill>
+                  <a:srgbClr val="A6A6A6"/>
+                </a:solidFill>
+                <a:latin typeface="Courier New"/>
+                <a:cs typeface="Courier New"/>
+              </a:rPr>
+              <a:t> </a:t>
+            </a:r>
+            <a:r>
+              <a:rPr lang="en-US" dirty="0" smtClean="0">
+                <a:solidFill>
+                  <a:srgbClr val="4F81BD"/>
+                </a:solidFill>
+                <a:latin typeface="Courier New"/>
+                <a:cs typeface="Courier New"/>
+              </a:rPr>
+              <a:t>/</a:t>
             </a:r>
             <a:r>
               <a:rPr lang="en-US" dirty="0">
@@ -5178,7 +6962,7 @@
                 <a:latin typeface="Courier New"/>
                 <a:cs typeface="Courier New"/>
               </a:rPr>
-              <a:t>(machine_1)</a:t>
+              <a:t>/ open connection to  machine 1</a:t>
             </a:r>
           </a:p>
           <a:p>
@@ -5193,7 +6977,27 @@
                 <a:latin typeface="Courier New"/>
                 <a:cs typeface="Courier New"/>
               </a:rPr>
-              <a:t> </a:t>
+              <a:t>  con, err = </a:t>
+            </a:r>
+            <a:r>
+              <a:rPr lang="en-US" dirty="0" err="1">
+                <a:solidFill>
+                  <a:srgbClr val="4F81BD"/>
+                </a:solidFill>
+                <a:latin typeface="Courier New"/>
+                <a:cs typeface="Courier New"/>
+              </a:rPr>
+              <a:t>clerk.OpenConnection</a:t>
+            </a:r>
+            <a:r>
+              <a:rPr lang="en-US" dirty="0">
+                <a:solidFill>
+                  <a:srgbClr val="4F81BD"/>
+                </a:solidFill>
+                <a:latin typeface="Courier New"/>
+                <a:cs typeface="Courier New"/>
+              </a:rPr>
+              <a:t>(machine_1)</a:t>
             </a:r>
           </a:p>
           <a:p>
@@ -5208,7 +7012,7 @@
                 <a:latin typeface="Courier New"/>
                 <a:cs typeface="Courier New"/>
               </a:rPr>
-              <a:t>  // create the table on  machine 2  </a:t>
+              <a:t> </a:t>
             </a:r>
           </a:p>
           <a:p>
@@ -5223,27 +7027,7 @@
                 <a:latin typeface="Courier New"/>
                 <a:cs typeface="Courier New"/>
               </a:rPr>
-              <a:t>  _, err = </a:t>
-            </a:r>
-            <a:r>
-              <a:rPr lang="en-US" dirty="0" err="1">
-                <a:solidFill>
-                  <a:srgbClr val="4F81BD"/>
-                </a:solidFill>
-                <a:latin typeface="Courier New"/>
-                <a:cs typeface="Courier New"/>
-              </a:rPr>
-              <a:t>clerk.ExecuteSQL</a:t>
-            </a:r>
-            <a:r>
-              <a:rPr lang="en-US" dirty="0">
-                <a:solidFill>
-                  <a:srgbClr val="4F81BD"/>
-                </a:solidFill>
-                <a:latin typeface="Courier New"/>
-                <a:cs typeface="Courier New"/>
-              </a:rPr>
-              <a:t>(machine_2, con,</a:t>
+              <a:t>  // create the table on  machine 2  </a:t>
             </a:r>
           </a:p>
           <a:p>
@@ -5258,7 +7042,27 @@
                 <a:latin typeface="Courier New"/>
                 <a:cs typeface="Courier New"/>
               </a:rPr>
-              <a:t>      "CREATE TABLE IF NOT EXISTS courses (</a:t>
+              <a:t>  _, err = </a:t>
+            </a:r>
+            <a:r>
+              <a:rPr lang="en-US" dirty="0" err="1">
+                <a:solidFill>
+                  <a:srgbClr val="4F81BD"/>
+                </a:solidFill>
+                <a:latin typeface="Courier New"/>
+                <a:cs typeface="Courier New"/>
+              </a:rPr>
+              <a:t>clerk.ExecuteSQL</a:t>
+            </a:r>
+            <a:r>
+              <a:rPr lang="en-US" dirty="0">
+                <a:solidFill>
+                  <a:srgbClr val="4F81BD"/>
+                </a:solidFill>
+                <a:latin typeface="Courier New"/>
+                <a:cs typeface="Courier New"/>
+              </a:rPr>
+              <a:t>(machine_2, con,</a:t>
             </a:r>
           </a:p>
           <a:p>
@@ -5273,7 +7077,7 @@
                 <a:latin typeface="Courier New"/>
                 <a:cs typeface="Courier New"/>
               </a:rPr>
-              <a:t>      id text, name text)", nil)</a:t>
+              <a:t>      "CREATE TABLE IF NOT EXISTS courses (</a:t>
             </a:r>
           </a:p>
           <a:p>
@@ -5288,7 +7092,7 @@
                 <a:latin typeface="Courier New"/>
                 <a:cs typeface="Courier New"/>
               </a:rPr>
-              <a:t>   </a:t>
+              <a:t>      id text, name text)", nil)</a:t>
             </a:r>
           </a:p>
           <a:p>
@@ -5303,7 +7107,7 @@
                 <a:latin typeface="Courier New"/>
                 <a:cs typeface="Courier New"/>
               </a:rPr>
-              <a:t>  // insert a record on machine 3  </a:t>
+              <a:t>   </a:t>
             </a:r>
           </a:p>
           <a:p>
@@ -5318,27 +7122,7 @@
                 <a:latin typeface="Courier New"/>
                 <a:cs typeface="Courier New"/>
               </a:rPr>
-              <a:t>  _, err = </a:t>
-            </a:r>
-            <a:r>
-              <a:rPr lang="en-US" dirty="0" err="1">
-                <a:solidFill>
-                  <a:srgbClr val="4F81BD"/>
-                </a:solidFill>
-                <a:latin typeface="Courier New"/>
-                <a:cs typeface="Courier New"/>
-              </a:rPr>
-              <a:t>clerk.ExecuteSQL</a:t>
-            </a:r>
-            <a:r>
-              <a:rPr lang="en-US" dirty="0">
-                <a:solidFill>
-                  <a:srgbClr val="4F81BD"/>
-                </a:solidFill>
-                <a:latin typeface="Courier New"/>
-                <a:cs typeface="Courier New"/>
-              </a:rPr>
-              <a:t>(machine_3, con,</a:t>
+              <a:t>  // insert a record on machine 3  </a:t>
             </a:r>
           </a:p>
           <a:p>
@@ -5353,7 +7137,27 @@
                 <a:latin typeface="Courier New"/>
                 <a:cs typeface="Courier New"/>
               </a:rPr>
-              <a:t>      "INSERT INTO courses values(‘6.831', 'UID')", nil)</a:t>
+              <a:t>  _, err = </a:t>
+            </a:r>
+            <a:r>
+              <a:rPr lang="en-US" dirty="0" err="1">
+                <a:solidFill>
+                  <a:srgbClr val="4F81BD"/>
+                </a:solidFill>
+                <a:latin typeface="Courier New"/>
+                <a:cs typeface="Courier New"/>
+              </a:rPr>
+              <a:t>clerk.ExecuteSQL</a:t>
+            </a:r>
+            <a:r>
+              <a:rPr lang="en-US" dirty="0">
+                <a:solidFill>
+                  <a:srgbClr val="4F81BD"/>
+                </a:solidFill>
+                <a:latin typeface="Courier New"/>
+                <a:cs typeface="Courier New"/>
+              </a:rPr>
+              <a:t>(machine_3, con,</a:t>
             </a:r>
           </a:p>
           <a:p>
@@ -5368,7 +7172,17 @@
                 <a:latin typeface="Courier New"/>
                 <a:cs typeface="Courier New"/>
               </a:rPr>
-              <a:t> </a:t>
+              <a:t>      "INSERT INTO courses values(‘6.831', 'UID')", nil</a:t>
+            </a:r>
+            <a:r>
+              <a:rPr lang="en-US" dirty="0" smtClean="0">
+                <a:solidFill>
+                  <a:srgbClr val="4F81BD"/>
+                </a:solidFill>
+                <a:latin typeface="Courier New"/>
+                <a:cs typeface="Courier New"/>
+              </a:rPr>
+              <a:t>)</a:t>
             </a:r>
             <a:endParaRPr lang="en-US" dirty="0">
               <a:solidFill>
@@ -5377,36 +7191,62 @@
             </a:endParaRPr>
           </a:p>
           <a:p>
-            <a:pPr lvl="1"/>
-            <a:endParaRPr lang="en-US" dirty="0" smtClean="0"/>
-          </a:p>
-          <a:p>
-            <a:pPr lvl="1"/>
-            <a:r>
-              <a:rPr lang="en-US" sz="3600" dirty="0"/>
-              <a:t>all operations </a:t>
-            </a:r>
-            <a:r>
-              <a:rPr lang="en-US" sz="3600" dirty="0" smtClean="0"/>
+            <a:pPr marL="0" indent="0">
+              <a:buNone/>
+            </a:pPr>
+            <a:endParaRPr lang="en-US" sz="5100" dirty="0" smtClean="0"/>
+          </a:p>
+          <a:p>
+            <a:r>
+              <a:rPr lang="en-US" sz="5100" dirty="0" smtClean="0"/>
+              <a:t>Other </a:t>
+            </a:r>
+            <a:r>
+              <a:rPr lang="en-US" sz="5100" dirty="0" smtClean="0"/>
+              <a:t>ops: SQL queries, </a:t>
+            </a:r>
+            <a:r>
+              <a:rPr lang="en-US" sz="5100" dirty="0" smtClean="0"/>
+              <a:t>transactions</a:t>
+            </a:r>
+          </a:p>
+          <a:p>
+            <a:endParaRPr lang="en-US" sz="5100" dirty="0"/>
+          </a:p>
+          <a:p>
+            <a:r>
+              <a:rPr lang="en-US" sz="5100" dirty="0"/>
+              <a:t>A</a:t>
+            </a:r>
+            <a:r>
+              <a:rPr lang="en-US" sz="5100" dirty="0" smtClean="0"/>
+              <a:t>ll </a:t>
+            </a:r>
+            <a:r>
+              <a:rPr lang="en-US" sz="5100" dirty="0"/>
+              <a:t>operations </a:t>
+            </a:r>
+            <a:r>
+              <a:rPr lang="en-US" sz="5100" dirty="0" smtClean="0"/>
               <a:t>must </a:t>
             </a:r>
             <a:r>
-              <a:rPr lang="en-US" sz="3600" dirty="0"/>
+              <a:rPr lang="en-US" sz="5100" dirty="0"/>
               <a:t>affect all the </a:t>
             </a:r>
             <a:r>
-              <a:rPr lang="en-US" sz="3600" dirty="0" smtClean="0"/>
+              <a:rPr lang="en-US" sz="5100" dirty="0" smtClean="0"/>
               <a:t>machines </a:t>
             </a:r>
             <a:r>
-              <a:rPr lang="en-US" sz="3600" dirty="0"/>
+              <a:rPr lang="en-US" sz="5100" dirty="0"/>
               <a:t>in the same </a:t>
             </a:r>
             <a:r>
-              <a:rPr lang="en-US" sz="3600" dirty="0" smtClean="0"/>
+              <a:rPr lang="en-US" sz="5100" dirty="0" smtClean="0"/>
               <a:t>order   </a:t>
             </a:r>
-            <a:endParaRPr lang="en-US" sz="3600" dirty="0">
+            <a:endParaRPr lang="en-US" sz="5100" dirty="0">
               <a:solidFill>
                 <a:srgbClr val="A6A6A6"/>
               </a:solidFill>
@@ -5495,7 +7335,7 @@
         </p:spPr>
         <p:txBody>
           <a:bodyPr>
-            <a:normAutofit fontScale="85000" lnSpcReduction="20000"/>
+            <a:normAutofit/>
           </a:bodyPr>
           <a:lstStyle/>
           <a:p>
@@ -5579,18 +7419,15 @@
           <a:p>
             <a:r>
               <a:rPr lang="en-US" dirty="0" smtClean="0"/>
-              <a:t>The current approach</a:t>
-            </a:r>
-          </a:p>
-          <a:p>
-            <a:pPr lvl="1"/>
+              <a:t>Our solution:</a:t>
+            </a:r>
             <a:r>
               <a:rPr lang="en-US" dirty="0"/>
-              <a:t>o</a:t>
-            </a:r>
-            <a:r>
-              <a:rPr lang="en-US" dirty="0" smtClean="0"/>
-              <a:t>nly one outstanding transaction at a time</a:t>
+              <a:t> </a:t>
+            </a:r>
+            <a:r>
+              <a:rPr lang="en-US" dirty="0" smtClean="0"/>
+              <a:t>only one transaction executing at a time</a:t>
             </a:r>
           </a:p>
           <a:p>
@@ -5598,45 +7435,6 @@
               <a:buNone/>
             </a:pPr>
             <a:endParaRPr lang="en-US" dirty="0" smtClean="0"/>
-          </a:p>
-          <a:p>
-            <a:r>
-              <a:rPr lang="en-US" dirty="0" smtClean="0"/>
-              <a:t>Future Work: </a:t>
-            </a:r>
-          </a:p>
-          <a:p>
-            <a:pPr lvl="1"/>
-            <a:r>
-              <a:rPr lang="en-US" dirty="0"/>
-              <a:t>a</a:t>
-            </a:r>
-            <a:r>
-              <a:rPr lang="en-US" dirty="0" smtClean="0"/>
-              <a:t>nalyze queries waiting to get executed for conflict</a:t>
-            </a:r>
-          </a:p>
-          <a:p>
-            <a:pPr lvl="1"/>
-            <a:r>
-              <a:rPr lang="en-US" dirty="0"/>
-              <a:t>o</a:t>
-            </a:r>
-            <a:r>
-              <a:rPr lang="en-US" dirty="0" smtClean="0"/>
-              <a:t>rder the conflicting ones </a:t>
-            </a:r>
-          </a:p>
-          <a:p>
-            <a:pPr lvl="1"/>
-            <a:r>
-              <a:rPr lang="en-US" dirty="0"/>
-              <a:t>r</a:t>
-            </a:r>
-            <a:r>
-              <a:rPr lang="en-US" dirty="0" smtClean="0"/>
-              <a:t>un the non-conflicting ones in parallel</a:t>
-            </a:r>
           </a:p>
         </p:txBody>
       </p:sp>
@@ -7805,4 +9603,324 @@
   <a:objectDefaults/>
   <a:extraClrSchemeLst/>
 </a:theme>
+</file>
+
+<file path=ppt/theme/theme2.xml><?xml version="1.0" encoding="utf-8"?>
+<a:theme xmlns:a="http://schemas.openxmlformats.org/drawingml/2006/main" name="Office Theme">
+  <a:themeElements>
+    <a:clrScheme name="Office">
+      <a:dk1>
+        <a:sysClr val="windowText" lastClr="000000"/>
+      </a:dk1>
+      <a:lt1>
+        <a:sysClr val="window" lastClr="FFFFFF"/>
+      </a:lt1>
+      <a:dk2>
+        <a:srgbClr val="1F497D"/>
+      </a:dk2>
+      <a:lt2>
+        <a:srgbClr val="EEECE1"/>
+      </a:lt2>
+      <a:accent1>
+        <a:srgbClr val="4F81BD"/>
+      </a:accent1>
+      <a:accent2>
+        <a:srgbClr val="C0504D"/>
+      </a:accent2>
+      <a:accent3>
+        <a:srgbClr val="9BBB59"/>
+      </a:accent3>
+      <a:accent4>
+        <a:srgbClr val="8064A2"/>
+      </a:accent4>
+      <a:accent5>
+        <a:srgbClr val="4BACC6"/>
+      </a:accent5>
+      <a:accent6>
+        <a:srgbClr val="F79646"/>
+      </a:accent6>
+      <a:hlink>
+        <a:srgbClr val="0000FF"/>
+      </a:hlink>
+      <a:folHlink>
+        <a:srgbClr val="800080"/>
+      </a:folHlink>
+    </a:clrScheme>
+    <a:fontScheme name="Office">
+      <a:majorFont>
+        <a:latin typeface="Calibri"/>
+        <a:ea typeface=""/>
+        <a:cs typeface=""/>
+        <a:font script="Jpan" typeface="ＭＳ Ｐゴシック"/>
+        <a:font script="Hang" typeface="맑은 고딕"/>
+        <a:font script="Hans" typeface="宋体"/>
+        <a:font script="Hant" typeface="新細明體"/>
+        <a:font script="Arab" typeface="Times New Roman"/>
+        <a:font script="Hebr" typeface="Times New Roman"/>
+        <a:font script="Thai" typeface="Angsana New"/>
+        <a:font script="Ethi" typeface="Nyala"/>
+        <a:font script="Beng" typeface="Vrinda"/>
+        <a:font script="Gujr" typeface="Shruti"/>
+        <a:font script="Khmr" typeface="MoolBoran"/>
+        <a:font script="Knda" typeface="Tunga"/>
+        <a:font script="Guru" typeface="Raavi"/>
+        <a:font script="Cans" typeface="Euphemia"/>
+        <a:font script="Cher" typeface="Plantagenet Cherokee"/>
+        <a:font script="Yiii" typeface="Microsoft Yi Baiti"/>
+        <a:font script="Tibt" typeface="Microsoft Himalaya"/>
+        <a:font script="Thaa" typeface="MV Boli"/>
+        <a:font script="Deva" typeface="Mangal"/>
+        <a:font script="Telu" typeface="Gautami"/>
+        <a:font script="Taml" typeface="Latha"/>
+        <a:font script="Syrc" typeface="Estrangelo Edessa"/>
+        <a:font script="Orya" typeface="Kalinga"/>
+        <a:font script="Mlym" typeface="Kartika"/>
+        <a:font script="Laoo" typeface="DokChampa"/>
+        <a:font script="Sinh" typeface="Iskoola Pota"/>
+        <a:font script="Mong" typeface="Mongolian Baiti"/>
+        <a:font script="Viet" typeface="Times New Roman"/>
+        <a:font script="Uigh" typeface="Microsoft Uighur"/>
+        <a:font script="Geor" typeface="Sylfaen"/>
+      </a:majorFont>
+      <a:minorFont>
+        <a:latin typeface="Calibri"/>
+        <a:ea typeface=""/>
+        <a:cs typeface=""/>
+        <a:font script="Jpan" typeface="ＭＳ Ｐゴシック"/>
+        <a:font script="Hang" typeface="맑은 고딕"/>
+        <a:font script="Hans" typeface="宋体"/>
+        <a:font script="Hant" typeface="新細明體"/>
+        <a:font script="Arab" typeface="Arial"/>
+        <a:font script="Hebr" typeface="Arial"/>
+        <a:font script="Thai" typeface="Cordia New"/>
+        <a:font script="Ethi" typeface="Nyala"/>
+        <a:font script="Beng" typeface="Vrinda"/>
+        <a:font script="Gujr" typeface="Shruti"/>
+        <a:font script="Khmr" typeface="DaunPenh"/>
+        <a:font script="Knda" typeface="Tunga"/>
+        <a:font script="Guru" typeface="Raavi"/>
+        <a:font script="Cans" typeface="Euphemia"/>
+        <a:font script="Cher" typeface="Plantagenet Cherokee"/>
+        <a:font script="Yiii" typeface="Microsoft Yi Baiti"/>
+        <a:font script="Tibt" typeface="Microsoft Himalaya"/>
+        <a:font script="Thaa" typeface="MV Boli"/>
+        <a:font script="Deva" typeface="Mangal"/>
+        <a:font script="Telu" typeface="Gautami"/>
+        <a:font script="Taml" typeface="Latha"/>
+        <a:font script="Syrc" typeface="Estrangelo Edessa"/>
+        <a:font script="Orya" typeface="Kalinga"/>
+        <a:font script="Mlym" typeface="Kartika"/>
+        <a:font script="Laoo" typeface="DokChampa"/>
+        <a:font script="Sinh" typeface="Iskoola Pota"/>
+        <a:font script="Mong" typeface="Mongolian Baiti"/>
+        <a:font script="Viet" typeface="Arial"/>
+        <a:font script="Uigh" typeface="Microsoft Uighur"/>
+        <a:font script="Geor" typeface="Sylfaen"/>
+      </a:minorFont>
+    </a:fontScheme>
+    <a:fmtScheme name="Office">
+      <a:fillStyleLst>
+        <a:solidFill>
+          <a:schemeClr val="phClr"/>
+        </a:solidFill>
+        <a:gradFill rotWithShape="1">
+          <a:gsLst>
+            <a:gs pos="0">
+              <a:schemeClr val="phClr">
+                <a:tint val="50000"/>
+                <a:satMod val="300000"/>
+              </a:schemeClr>
+            </a:gs>
+            <a:gs pos="35000">
+              <a:schemeClr val="phClr">
+                <a:tint val="37000"/>
+                <a:satMod val="300000"/>
+              </a:schemeClr>
+            </a:gs>
+            <a:gs pos="100000">
+              <a:schemeClr val="phClr">
+                <a:tint val="15000"/>
+                <a:satMod val="350000"/>
+              </a:schemeClr>
+            </a:gs>
+          </a:gsLst>
+          <a:lin ang="16200000" scaled="1"/>
+        </a:gradFill>
+        <a:gradFill rotWithShape="1">
+          <a:gsLst>
+            <a:gs pos="0">
+              <a:schemeClr val="phClr">
+                <a:tint val="100000"/>
+                <a:shade val="100000"/>
+                <a:satMod val="130000"/>
+              </a:schemeClr>
+            </a:gs>
+            <a:gs pos="100000">
+              <a:schemeClr val="phClr">
+                <a:tint val="50000"/>
+                <a:shade val="100000"/>
+                <a:satMod val="350000"/>
+              </a:schemeClr>
+            </a:gs>
+          </a:gsLst>
+          <a:lin ang="16200000" scaled="0"/>
+        </a:gradFill>
+      </a:fillStyleLst>
+      <a:lnStyleLst>
+        <a:ln w="9525" cap="flat" cmpd="sng" algn="ctr">
+          <a:solidFill>
+            <a:schemeClr val="phClr">
+              <a:shade val="95000"/>
+              <a:satMod val="105000"/>
+            </a:schemeClr>
+          </a:solidFill>
+          <a:prstDash val="solid"/>
+        </a:ln>
+        <a:ln w="25400" cap="flat" cmpd="sng" algn="ctr">
+          <a:solidFill>
+            <a:schemeClr val="phClr"/>
+          </a:solidFill>
+          <a:prstDash val="solid"/>
+        </a:ln>
+        <a:ln w="38100" cap="flat" cmpd="sng" algn="ctr">
+          <a:solidFill>
+            <a:schemeClr val="phClr"/>
+          </a:solidFill>
+          <a:prstDash val="solid"/>
+        </a:ln>
+      </a:lnStyleLst>
+      <a:effectStyleLst>
+        <a:effectStyle>
+          <a:effectLst>
+            <a:outerShdw blurRad="40000" dist="20000" dir="5400000" rotWithShape="0">
+              <a:srgbClr val="000000">
+                <a:alpha val="38000"/>
+              </a:srgbClr>
+            </a:outerShdw>
+          </a:effectLst>
+        </a:effectStyle>
+        <a:effectStyle>
+          <a:effectLst>
+            <a:outerShdw blurRad="40000" dist="23000" dir="5400000" rotWithShape="0">
+              <a:srgbClr val="000000">
+                <a:alpha val="35000"/>
+              </a:srgbClr>
+            </a:outerShdw>
+          </a:effectLst>
+        </a:effectStyle>
+        <a:effectStyle>
+          <a:effectLst>
+            <a:outerShdw blurRad="40000" dist="23000" dir="5400000" rotWithShape="0">
+              <a:srgbClr val="000000">
+                <a:alpha val="35000"/>
+              </a:srgbClr>
+            </a:outerShdw>
+          </a:effectLst>
+          <a:scene3d>
+            <a:camera prst="orthographicFront">
+              <a:rot lat="0" lon="0" rev="0"/>
+            </a:camera>
+            <a:lightRig rig="threePt" dir="t">
+              <a:rot lat="0" lon="0" rev="1200000"/>
+            </a:lightRig>
+          </a:scene3d>
+          <a:sp3d>
+            <a:bevelT w="63500" h="25400"/>
+          </a:sp3d>
+        </a:effectStyle>
+      </a:effectStyleLst>
+      <a:bgFillStyleLst>
+        <a:solidFill>
+          <a:schemeClr val="phClr"/>
+        </a:solidFill>
+        <a:gradFill rotWithShape="1">
+          <a:gsLst>
+            <a:gs pos="0">
+              <a:schemeClr val="phClr">
+                <a:tint val="40000"/>
+                <a:satMod val="350000"/>
+              </a:schemeClr>
+            </a:gs>
+            <a:gs pos="40000">
+              <a:schemeClr val="phClr">
+                <a:tint val="45000"/>
+                <a:shade val="99000"/>
+                <a:satMod val="350000"/>
+              </a:schemeClr>
+            </a:gs>
+            <a:gs pos="100000">
+              <a:schemeClr val="phClr">
+                <a:shade val="20000"/>
+                <a:satMod val="255000"/>
+              </a:schemeClr>
+            </a:gs>
+          </a:gsLst>
+          <a:path path="circle">
+            <a:fillToRect l="50000" t="-80000" r="50000" b="180000"/>
+          </a:path>
+        </a:gradFill>
+        <a:gradFill rotWithShape="1">
+          <a:gsLst>
+            <a:gs pos="0">
+              <a:schemeClr val="phClr">
+                <a:tint val="80000"/>
+                <a:satMod val="300000"/>
+              </a:schemeClr>
+            </a:gs>
+            <a:gs pos="100000">
+              <a:schemeClr val="phClr">
+                <a:shade val="30000"/>
+                <a:satMod val="200000"/>
+              </a:schemeClr>
+            </a:gs>
+          </a:gsLst>
+          <a:path path="circle">
+            <a:fillToRect l="50000" t="50000" r="50000" b="50000"/>
+          </a:path>
+        </a:gradFill>
+      </a:bgFillStyleLst>
+    </a:fmtScheme>
+  </a:themeElements>
+  <a:objectDefaults>
+    <a:spDef>
+      <a:spPr/>
+      <a:bodyPr/>
+      <a:lstStyle/>
+      <a:style>
+        <a:lnRef idx="1">
+          <a:schemeClr val="accent1"/>
+        </a:lnRef>
+        <a:fillRef idx="3">
+          <a:schemeClr val="accent1"/>
+        </a:fillRef>
+        <a:effectRef idx="2">
+          <a:schemeClr val="accent1"/>
+        </a:effectRef>
+        <a:fontRef idx="minor">
+          <a:schemeClr val="lt1"/>
+        </a:fontRef>
+      </a:style>
+    </a:spDef>
+    <a:lnDef>
+      <a:spPr/>
+      <a:bodyPr/>
+      <a:lstStyle/>
+      <a:style>
+        <a:lnRef idx="2">
+          <a:schemeClr val="accent1"/>
+        </a:lnRef>
+        <a:fillRef idx="0">
+          <a:schemeClr val="accent1"/>
+        </a:fillRef>
+        <a:effectRef idx="1">
+          <a:schemeClr val="accent1"/>
+        </a:effectRef>
+        <a:fontRef idx="minor">
+          <a:schemeClr val="tx1"/>
+        </a:fontRef>
+      </a:style>
+    </a:lnDef>
+  </a:objectDefaults>
+  <a:extraClrSchemeLst/>
+</a:theme>
 </file>
--- a/slides/barista-checkoff-demo.pptx
+++ b/slides/barista-checkoff-demo.pptx
@@ -5293,12 +5293,8 @@
           <a:p>
             <a:pPr lvl="1"/>
             <a:r>
-              <a:rPr lang="en-US" dirty="0"/>
-              <a:t>c</a:t>
-            </a:r>
-            <a:r>
-              <a:rPr lang="en-US" dirty="0" smtClean="0"/>
-              <a:t>lient use the same SQL they used before</a:t>
+              <a:rPr lang="en-US" dirty="0" smtClean="0"/>
+              <a:t>clients use the same SQL they used before</a:t>
             </a:r>
             <a:endParaRPr lang="en-US" dirty="0" smtClean="0"/>
           </a:p>
@@ -7407,7 +7403,11 @@
             </a:r>
             <a:r>
               <a:rPr lang="en-US" dirty="0" smtClean="0"/>
-              <a:t>were submitted</a:t>
+              <a:t>are </a:t>
+            </a:r>
+            <a:r>
+              <a:rPr lang="en-US" dirty="0" smtClean="0"/>
+              <a:t>submitted</a:t>
             </a:r>
           </a:p>
           <a:p>

--- a/slides/barista-checkoff-demo.pptx
+++ b/slides/barista-checkoff-demo.pptx
@@ -5206,21 +5206,13 @@
           <a:p>
             <a:r>
               <a:rPr lang="en-US" dirty="0" smtClean="0"/>
-              <a:t>Lots of </a:t>
-            </a:r>
-            <a:r>
-              <a:rPr lang="en-US" dirty="0" smtClean="0"/>
-              <a:t>applications use DBMS backend</a:t>
-            </a:r>
-          </a:p>
-          <a:p>
-            <a:r>
-              <a:rPr lang="en-US" dirty="0" smtClean="0"/>
-              <a:t>Machine failure or network outages </a:t>
-            </a:r>
-            <a:r>
-              <a:rPr lang="en-US" dirty="0" smtClean="0"/>
-              <a:t>common</a:t>
+              <a:t>Lots of applications use DBMS backend</a:t>
+            </a:r>
+          </a:p>
+          <a:p>
+            <a:r>
+              <a:rPr lang="en-US" dirty="0" smtClean="0"/>
+              <a:t>Machine failure or network outages common</a:t>
             </a:r>
           </a:p>
           <a:p>
@@ -5228,7 +5220,6 @@
               <a:rPr lang="en-US" dirty="0" smtClean="0"/>
               <a:t>Barista provides</a:t>
             </a:r>
-            <a:endParaRPr lang="en-US" dirty="0" smtClean="0"/>
           </a:p>
           <a:p>
             <a:pPr lvl="1"/>
@@ -5253,15 +5244,7 @@
             <a:pPr lvl="1"/>
             <a:r>
               <a:rPr lang="en-US" dirty="0" smtClean="0"/>
-              <a:t>s</a:t>
-            </a:r>
-            <a:r>
-              <a:rPr lang="en-US" dirty="0" smtClean="0"/>
-              <a:t>trong </a:t>
-            </a:r>
-            <a:r>
-              <a:rPr lang="en-US" dirty="0" smtClean="0"/>
-              <a:t>consistency</a:t>
+              <a:t>strong consistency</a:t>
             </a:r>
           </a:p>
           <a:p>
@@ -5272,11 +5255,7 @@
             </a:r>
             <a:r>
               <a:rPr lang="en-US" dirty="0" smtClean="0"/>
-              <a:t>utomatic </a:t>
-            </a:r>
-            <a:r>
-              <a:rPr lang="en-US" dirty="0" smtClean="0"/>
-              <a:t>failover</a:t>
+              <a:t>utomatic failover</a:t>
             </a:r>
           </a:p>
           <a:p>
@@ -5296,7 +5275,6 @@
               <a:rPr lang="en-US" dirty="0" smtClean="0"/>
               <a:t>clients use the same SQL they used before</a:t>
             </a:r>
-            <a:endParaRPr lang="en-US" dirty="0" smtClean="0"/>
           </a:p>
           <a:p>
             <a:pPr lvl="2"/>
@@ -7195,15 +7173,7 @@
           <a:p>
             <a:r>
               <a:rPr lang="en-US" sz="5100" dirty="0" smtClean="0"/>
-              <a:t>Other </a:t>
-            </a:r>
-            <a:r>
-              <a:rPr lang="en-US" sz="5100" dirty="0" smtClean="0"/>
-              <a:t>ops: SQL queries, </a:t>
-            </a:r>
-            <a:r>
-              <a:rPr lang="en-US" sz="5100" dirty="0" smtClean="0"/>
-              <a:t>transactions</a:t>
+              <a:t>Other ops: SQL queries, transactions</a:t>
             </a:r>
           </a:p>
           <a:p>
@@ -7403,11 +7373,7 @@
             </a:r>
             <a:r>
               <a:rPr lang="en-US" dirty="0" smtClean="0"/>
-              <a:t>are </a:t>
-            </a:r>
-            <a:r>
-              <a:rPr lang="en-US" dirty="0" smtClean="0"/>
-              <a:t>submitted</a:t>
+              <a:t>are submitted</a:t>
             </a:r>
           </a:p>
           <a:p>

--- a/slides/barista-checkoff-demo.pptx
+++ b/slides/barista-checkoff-demo.pptx
@@ -5664,7 +5664,11 @@
             <a:pPr algn="ctr"/>
             <a:r>
               <a:rPr lang="en-US" dirty="0" smtClean="0"/>
-              <a:t>GO Client</a:t>
+              <a:t>Go </a:t>
+            </a:r>
+            <a:r>
+              <a:rPr lang="en-US" dirty="0" smtClean="0"/>
+              <a:t>Client</a:t>
             </a:r>
           </a:p>
         </p:txBody>
@@ -6533,7 +6537,6 @@
           <p:cNvPr id="56" name="Straight Arrow Connector 55"/>
           <p:cNvCxnSpPr>
             <a:stCxn id="54" idx="2"/>
-            <a:endCxn id="45" idx="0"/>
           </p:cNvCxnSpPr>
           <p:nvPr/>
         </p:nvCxnSpPr>
